--- a/Virtual Box.pptx
+++ b/Virtual Box.pptx
@@ -5,20 +5,21 @@
     <p:sldMasterId id="2147483648" r:id="rId1"/>
   </p:sldMasterIdLst>
   <p:notesMasterIdLst>
-    <p:notesMasterId r:id="rId13"/>
+    <p:notesMasterId r:id="rId14"/>
   </p:notesMasterIdLst>
   <p:sldIdLst>
     <p:sldId id="256" r:id="rId2"/>
-    <p:sldId id="261" r:id="rId3"/>
-    <p:sldId id="258" r:id="rId4"/>
+    <p:sldId id="268" r:id="rId3"/>
+    <p:sldId id="269" r:id="rId4"/>
     <p:sldId id="259" r:id="rId5"/>
-    <p:sldId id="260" r:id="rId6"/>
-    <p:sldId id="262" r:id="rId7"/>
-    <p:sldId id="257" r:id="rId8"/>
-    <p:sldId id="263" r:id="rId9"/>
-    <p:sldId id="264" r:id="rId10"/>
-    <p:sldId id="265" r:id="rId11"/>
-    <p:sldId id="266" r:id="rId12"/>
+    <p:sldId id="261" r:id="rId6"/>
+    <p:sldId id="271" r:id="rId7"/>
+    <p:sldId id="272" r:id="rId8"/>
+    <p:sldId id="267" r:id="rId9"/>
+    <p:sldId id="258" r:id="rId10"/>
+    <p:sldId id="260" r:id="rId11"/>
+    <p:sldId id="262" r:id="rId12"/>
+    <p:sldId id="270" r:id="rId13"/>
   </p:sldIdLst>
   <p:sldSz cx="9144000" cy="6858000" type="screen4x3"/>
   <p:notesSz cx="6858000" cy="9144000"/>
@@ -202,7 +203,7 @@
           <a:p>
             <a:fld id="{74E68F83-1E96-451B-B7A7-E78E4F639BC1}" type="datetimeFigureOut">
               <a:rPr lang="ru-RU" smtClean="0"/>
-              <a:t>26.10.2021</a:t>
+              <a:t>28.11.2021</a:t>
             </a:fld>
             <a:endParaRPr lang="ru-RU"/>
           </a:p>
@@ -535,7 +536,7 @@
           <a:p>
             <a:fld id="{2FD28C1B-F067-4FDB-BF61-62008FFC5990}" type="slidenum">
               <a:rPr lang="ru-RU" smtClean="0"/>
-              <a:t>5</a:t>
+              <a:t>10</a:t>
             </a:fld>
             <a:endParaRPr lang="ru-RU"/>
           </a:p>
@@ -735,7 +736,7 @@
           <a:p>
             <a:fld id="{25181915-9CD6-433D-9BE8-FBEFCE886C4A}" type="datetimeFigureOut">
               <a:rPr lang="ru-RU" smtClean="0"/>
-              <a:t>26.10.2021</a:t>
+              <a:t>28.11.2021</a:t>
             </a:fld>
             <a:endParaRPr lang="ru-RU"/>
           </a:p>
@@ -905,7 +906,7 @@
           <a:p>
             <a:fld id="{25181915-9CD6-433D-9BE8-FBEFCE886C4A}" type="datetimeFigureOut">
               <a:rPr lang="ru-RU" smtClean="0"/>
-              <a:t>26.10.2021</a:t>
+              <a:t>28.11.2021</a:t>
             </a:fld>
             <a:endParaRPr lang="ru-RU"/>
           </a:p>
@@ -1085,7 +1086,7 @@
           <a:p>
             <a:fld id="{25181915-9CD6-433D-9BE8-FBEFCE886C4A}" type="datetimeFigureOut">
               <a:rPr lang="ru-RU" smtClean="0"/>
-              <a:t>26.10.2021</a:t>
+              <a:t>28.11.2021</a:t>
             </a:fld>
             <a:endParaRPr lang="ru-RU"/>
           </a:p>
@@ -1255,7 +1256,7 @@
           <a:p>
             <a:fld id="{25181915-9CD6-433D-9BE8-FBEFCE886C4A}" type="datetimeFigureOut">
               <a:rPr lang="ru-RU" smtClean="0"/>
-              <a:t>26.10.2021</a:t>
+              <a:t>28.11.2021</a:t>
             </a:fld>
             <a:endParaRPr lang="ru-RU"/>
           </a:p>
@@ -1501,7 +1502,7 @@
           <a:p>
             <a:fld id="{25181915-9CD6-433D-9BE8-FBEFCE886C4A}" type="datetimeFigureOut">
               <a:rPr lang="ru-RU" smtClean="0"/>
-              <a:t>26.10.2021</a:t>
+              <a:t>28.11.2021</a:t>
             </a:fld>
             <a:endParaRPr lang="ru-RU"/>
           </a:p>
@@ -1789,7 +1790,7 @@
           <a:p>
             <a:fld id="{25181915-9CD6-433D-9BE8-FBEFCE886C4A}" type="datetimeFigureOut">
               <a:rPr lang="ru-RU" smtClean="0"/>
-              <a:t>26.10.2021</a:t>
+              <a:t>28.11.2021</a:t>
             </a:fld>
             <a:endParaRPr lang="ru-RU"/>
           </a:p>
@@ -2211,7 +2212,7 @@
           <a:p>
             <a:fld id="{25181915-9CD6-433D-9BE8-FBEFCE886C4A}" type="datetimeFigureOut">
               <a:rPr lang="ru-RU" smtClean="0"/>
-              <a:t>26.10.2021</a:t>
+              <a:t>28.11.2021</a:t>
             </a:fld>
             <a:endParaRPr lang="ru-RU"/>
           </a:p>
@@ -2329,7 +2330,7 @@
           <a:p>
             <a:fld id="{25181915-9CD6-433D-9BE8-FBEFCE886C4A}" type="datetimeFigureOut">
               <a:rPr lang="ru-RU" smtClean="0"/>
-              <a:t>26.10.2021</a:t>
+              <a:t>28.11.2021</a:t>
             </a:fld>
             <a:endParaRPr lang="ru-RU"/>
           </a:p>
@@ -2424,7 +2425,7 @@
           <a:p>
             <a:fld id="{25181915-9CD6-433D-9BE8-FBEFCE886C4A}" type="datetimeFigureOut">
               <a:rPr lang="ru-RU" smtClean="0"/>
-              <a:t>26.10.2021</a:t>
+              <a:t>28.11.2021</a:t>
             </a:fld>
             <a:endParaRPr lang="ru-RU"/>
           </a:p>
@@ -2701,7 +2702,7 @@
           <a:p>
             <a:fld id="{25181915-9CD6-433D-9BE8-FBEFCE886C4A}" type="datetimeFigureOut">
               <a:rPr lang="ru-RU" smtClean="0"/>
-              <a:t>26.10.2021</a:t>
+              <a:t>28.11.2021</a:t>
             </a:fld>
             <a:endParaRPr lang="ru-RU"/>
           </a:p>
@@ -2954,7 +2955,7 @@
           <a:p>
             <a:fld id="{25181915-9CD6-433D-9BE8-FBEFCE886C4A}" type="datetimeFigureOut">
               <a:rPr lang="ru-RU" smtClean="0"/>
-              <a:t>26.10.2021</a:t>
+              <a:t>28.11.2021</a:t>
             </a:fld>
             <a:endParaRPr lang="ru-RU"/>
           </a:p>
@@ -3167,7 +3168,7 @@
           <a:p>
             <a:fld id="{25181915-9CD6-433D-9BE8-FBEFCE886C4A}" type="datetimeFigureOut">
               <a:rPr lang="ru-RU" smtClean="0"/>
-              <a:t>26.10.2021</a:t>
+              <a:t>28.11.2021</a:t>
             </a:fld>
             <a:endParaRPr lang="ru-RU"/>
           </a:p>
@@ -3560,33 +3561,47 @@
         </p:spPr>
         <p:txBody>
           <a:bodyPr>
-            <a:normAutofit fontScale="90000"/>
+            <a:noAutofit/>
           </a:bodyPr>
           <a:lstStyle/>
           <a:p>
             <a:r>
-              <a:rPr lang="en-US" dirty="0" smtClean="0"/>
+              <a:rPr lang="en-US" sz="6000" dirty="0" smtClean="0">
+                <a:latin typeface="Bahnschrift Light Condensed" pitchFamily="34" charset="0"/>
+              </a:rPr>
               <a:t>Virtual Box</a:t>
             </a:r>
             <a:r>
-              <a:rPr lang="ru-RU" dirty="0" smtClean="0"/>
+              <a:rPr lang="ru-RU" sz="6000" dirty="0" smtClean="0">
+                <a:latin typeface="Bahnschrift Light Condensed" pitchFamily="34" charset="0"/>
+              </a:rPr>
               <a:t/>
             </a:r>
             <a:br>
-              <a:rPr lang="ru-RU" dirty="0" smtClean="0"/>
+              <a:rPr lang="ru-RU" sz="6000" dirty="0" smtClean="0">
+                <a:latin typeface="Bahnschrift Light Condensed" pitchFamily="34" charset="0"/>
+              </a:rPr>
             </a:br>
             <a:r>
-              <a:rPr lang="ru-RU" sz="2800" dirty="0" smtClean="0"/>
+              <a:rPr lang="ru-RU" sz="4000" dirty="0" smtClean="0">
+                <a:latin typeface="Bahnschrift Light Condensed" pitchFamily="34" charset="0"/>
+              </a:rPr>
               <a:t>изоляция целых ОС</a:t>
             </a:r>
             <a:br>
-              <a:rPr lang="ru-RU" sz="2800" dirty="0" smtClean="0"/>
+              <a:rPr lang="ru-RU" sz="4000" dirty="0" smtClean="0">
+                <a:latin typeface="Bahnschrift Light Condensed" pitchFamily="34" charset="0"/>
+              </a:rPr>
             </a:br>
             <a:r>
-              <a:rPr lang="ru-RU" sz="2800" dirty="0" smtClean="0"/>
+              <a:rPr lang="ru-RU" sz="4000" dirty="0" smtClean="0">
+                <a:latin typeface="Bahnschrift Light Condensed" pitchFamily="34" charset="0"/>
+              </a:rPr>
               <a:t>на одном железе</a:t>
             </a:r>
-            <a:endParaRPr lang="ru-RU" dirty="0"/>
+            <a:endParaRPr lang="ru-RU" sz="6000" dirty="0">
+              <a:latin typeface="Bahnschrift Light Condensed" pitchFamily="34" charset="0"/>
+            </a:endParaRPr>
           </a:p>
         </p:txBody>
       </p:sp>
@@ -3667,6 +3682,9 @@
   <p:clrMapOvr>
     <a:masterClrMapping/>
   </p:clrMapOvr>
+  <p:transition spd="slow">
+    <p:push dir="u"/>
+  </p:transition>
   <p:timing>
     <p:tnLst>
       <p:par>
@@ -3701,26 +3719,195 @@
             <a:spLocks noGrp="1"/>
           </p:cNvSpPr>
           <p:nvPr>
-            <p:ph type="title"/>
-          </p:nvPr>
-        </p:nvSpPr>
-        <p:spPr/>
-        <p:txBody>
-          <a:bodyPr>
-            <a:normAutofit fontScale="90000"/>
-          </a:bodyPr>
-          <a:lstStyle/>
-          <a:p>
+            <p:ph type="ctrTitle"/>
+          </p:nvPr>
+        </p:nvSpPr>
+        <p:spPr>
+          <a:xfrm>
+            <a:off x="685800" y="548681"/>
+            <a:ext cx="7772400" cy="1728191"/>
+          </a:xfrm>
+        </p:spPr>
+        <p:txBody>
+          <a:bodyPr/>
+          <a:lstStyle/>
+          <a:p>
+            <a:r>
+              <a:rPr lang="en-US" dirty="0"/>
+              <a:t> </a:t>
+            </a:r>
             <a:r>
               <a:rPr lang="ru-RU" dirty="0" smtClean="0"/>
-              <a:t>Выделяем ОЗУ</a:t>
+              <a:t>Поддерживает множество</a:t>
             </a:r>
             <a:br>
               <a:rPr lang="ru-RU" dirty="0" smtClean="0"/>
             </a:br>
             <a:r>
               <a:rPr lang="ru-RU" dirty="0" smtClean="0"/>
-              <a:t>Но будьте осторожны</a:t>
+              <a:t>ОС и их виды</a:t>
+            </a:r>
+            <a:endParaRPr lang="ru-RU" dirty="0"/>
+          </a:p>
+        </p:txBody>
+      </p:sp>
+      <p:sp>
+        <p:nvSpPr>
+          <p:cNvPr id="3" name="Подзаголовок 2"/>
+          <p:cNvSpPr>
+            <a:spLocks noGrp="1"/>
+          </p:cNvSpPr>
+          <p:nvPr>
+            <p:ph type="subTitle" idx="1"/>
+          </p:nvPr>
+        </p:nvSpPr>
+        <p:spPr>
+          <a:xfrm>
+            <a:off x="1371600" y="2636912"/>
+            <a:ext cx="6400800" cy="3001888"/>
+          </a:xfrm>
+        </p:spPr>
+        <p:txBody>
+          <a:bodyPr>
+            <a:normAutofit/>
+          </a:bodyPr>
+          <a:lstStyle/>
+          <a:p>
+            <a:pPr algn="l"/>
+            <a:r>
+              <a:rPr lang="ru-RU" sz="2000" dirty="0" smtClean="0">
+                <a:solidFill>
+                  <a:schemeClr val="tx1"/>
+                </a:solidFill>
+              </a:rPr>
+              <a:t>Популярные </a:t>
+            </a:r>
+            <a:r>
+              <a:rPr lang="en-US" sz="2000" dirty="0" smtClean="0">
+                <a:solidFill>
+                  <a:schemeClr val="tx1"/>
+                </a:solidFill>
+              </a:rPr>
+              <a:t>Windows:  10-7, Linux: RHEL, </a:t>
+            </a:r>
+            <a:r>
+              <a:rPr lang="en-US" sz="2000" dirty="0" err="1" smtClean="0">
+                <a:solidFill>
+                  <a:schemeClr val="tx1"/>
+                </a:solidFill>
+              </a:rPr>
+              <a:t>Debian</a:t>
+            </a:r>
+            <a:r>
+              <a:rPr lang="en-US" sz="2000" dirty="0" smtClean="0">
+                <a:solidFill>
+                  <a:schemeClr val="tx1"/>
+                </a:solidFill>
+              </a:rPr>
+              <a:t>, Ubuntu</a:t>
+            </a:r>
+          </a:p>
+          <a:p>
+            <a:pPr algn="l"/>
+            <a:r>
+              <a:rPr lang="en-US" sz="2000" dirty="0" smtClean="0">
+                <a:solidFill>
+                  <a:schemeClr val="tx1"/>
+                </a:solidFill>
+              </a:rPr>
+              <a:t>Fedora, Mac OS: 10.12, 10.13, 10.14 </a:t>
+            </a:r>
+            <a:r>
+              <a:rPr lang="ru-RU" sz="2000" dirty="0" smtClean="0">
+                <a:solidFill>
+                  <a:schemeClr val="tx1"/>
+                </a:solidFill>
+              </a:rPr>
+              <a:t>а также </a:t>
+            </a:r>
+            <a:r>
+              <a:rPr lang="en-US" sz="2000" dirty="0" smtClean="0">
+                <a:solidFill>
+                  <a:schemeClr val="tx1"/>
+                </a:solidFill>
+              </a:rPr>
+              <a:t>Oracle Solaris </a:t>
+            </a:r>
+            <a:endParaRPr lang="ru-RU" sz="2000" dirty="0">
+              <a:solidFill>
+                <a:schemeClr val="tx1"/>
+              </a:solidFill>
+            </a:endParaRPr>
+          </a:p>
+        </p:txBody>
+      </p:sp>
+    </p:spTree>
+    <p:extLst>
+      <p:ext uri="{BB962C8B-B14F-4D97-AF65-F5344CB8AC3E}">
+        <p14:creationId xmlns:p14="http://schemas.microsoft.com/office/powerpoint/2010/main" val="2427666997"/>
+      </p:ext>
+    </p:extLst>
+  </p:cSld>
+  <p:clrMapOvr>
+    <a:masterClrMapping/>
+  </p:clrMapOvr>
+  <p:transition spd="slow">
+    <p:push dir="u"/>
+  </p:transition>
+  <p:timing>
+    <p:tnLst>
+      <p:par>
+        <p:cTn id="1" dur="indefinite" restart="never" nodeType="tmRoot"/>
+      </p:par>
+    </p:tnLst>
+  </p:timing>
+</p:sld>
+</file>
+
+<file path=ppt/slides/slide11.xml><?xml version="1.0" encoding="utf-8"?>
+<p:sld xmlns:a="http://schemas.openxmlformats.org/drawingml/2006/main" xmlns:r="http://schemas.openxmlformats.org/officeDocument/2006/relationships" xmlns:p="http://schemas.openxmlformats.org/presentationml/2006/main">
+  <p:cSld>
+    <p:spTree>
+      <p:nvGrpSpPr>
+        <p:cNvPr id="1" name=""/>
+        <p:cNvGrpSpPr/>
+        <p:nvPr/>
+      </p:nvGrpSpPr>
+      <p:grpSpPr>
+        <a:xfrm>
+          <a:off x="0" y="0"/>
+          <a:ext cx="0" cy="0"/>
+          <a:chOff x="0" y="0"/>
+          <a:chExt cx="0" cy="0"/>
+        </a:xfrm>
+      </p:grpSpPr>
+      <p:sp>
+        <p:nvSpPr>
+          <p:cNvPr id="2" name="Заголовок 1"/>
+          <p:cNvSpPr>
+            <a:spLocks noGrp="1"/>
+          </p:cNvSpPr>
+          <p:nvPr>
+            <p:ph type="title"/>
+          </p:nvPr>
+        </p:nvSpPr>
+        <p:spPr/>
+        <p:txBody>
+          <a:bodyPr>
+            <a:normAutofit/>
+          </a:bodyPr>
+          <a:lstStyle/>
+          <a:p>
+            <a:r>
+              <a:rPr lang="en-US" dirty="0" smtClean="0"/>
+              <a:t>Windows &amp; Linux</a:t>
+            </a:r>
+            <a:br>
+              <a:rPr lang="en-US" dirty="0" smtClean="0"/>
+            </a:br>
+            <a:r>
+              <a:rPr lang="ru-RU" sz="1600" dirty="0" smtClean="0"/>
+              <a:t>мощь</a:t>
             </a:r>
             <a:endParaRPr lang="ru-RU" dirty="0"/>
           </a:p>
@@ -3747,7 +3934,7 @@
       </p:sp>
       <p:pic>
         <p:nvPicPr>
-          <p:cNvPr id="5122" name="Picture 2" descr="C:\Users\TM\Pictures\Screenshots\Снимок экрана (235).png"/>
+          <p:cNvPr id="1026" name="Picture 2" descr="C:\Users\TM\Pictures\sharaga\мускула.jpg"/>
           <p:cNvPicPr>
             <a:picLocks noChangeAspect="1" noChangeArrowheads="1"/>
           </p:cNvPicPr>
@@ -3768,8 +3955,8 @@
         </p:blipFill>
         <p:spPr bwMode="auto">
           <a:xfrm>
-            <a:off x="539552" y="1628800"/>
-            <a:ext cx="7704138" cy="4351337"/>
+            <a:off x="251520" y="1646089"/>
+            <a:ext cx="8572500" cy="4819650"/>
           </a:xfrm>
           <a:prstGeom prst="rect">
             <a:avLst/>
@@ -3789,17 +3976,27 @@
     </p:spTree>
     <p:extLst>
       <p:ext uri="{BB962C8B-B14F-4D97-AF65-F5344CB8AC3E}">
-        <p14:creationId xmlns:p14="http://schemas.microsoft.com/office/powerpoint/2010/main" val="1217165510"/>
+        <p14:creationId xmlns:p14="http://schemas.microsoft.com/office/powerpoint/2010/main" val="709890497"/>
       </p:ext>
     </p:extLst>
   </p:cSld>
   <p:clrMapOvr>
     <a:masterClrMapping/>
   </p:clrMapOvr>
+  <p:transition spd="slow">
+    <p:push dir="u"/>
+  </p:transition>
+  <p:timing>
+    <p:tnLst>
+      <p:par>
+        <p:cTn id="1" dur="indefinite" restart="never" nodeType="tmRoot"/>
+      </p:par>
+    </p:tnLst>
+  </p:timing>
 </p:sld>
 </file>
 
-<file path=ppt/slides/slide11.xml><?xml version="1.0" encoding="utf-8"?>
+<file path=ppt/slides/slide12.xml><?xml version="1.0" encoding="utf-8"?>
 <p:sld xmlns:a="http://schemas.openxmlformats.org/drawingml/2006/main" xmlns:r="http://schemas.openxmlformats.org/officeDocument/2006/relationships" xmlns:p="http://schemas.openxmlformats.org/presentationml/2006/main">
   <p:cSld>
     <p:spTree>
@@ -3816,47 +4013,9 @@
           <a:chExt cx="0" cy="0"/>
         </a:xfrm>
       </p:grpSpPr>
-      <p:sp>
-        <p:nvSpPr>
-          <p:cNvPr id="2" name="Заголовок 1"/>
-          <p:cNvSpPr>
-            <a:spLocks noGrp="1"/>
-          </p:cNvSpPr>
-          <p:nvPr>
-            <p:ph type="title"/>
-          </p:nvPr>
-        </p:nvSpPr>
-        <p:spPr/>
-        <p:txBody>
-          <a:bodyPr/>
-          <a:lstStyle/>
-          <a:p>
-            <a:endParaRPr lang="ru-RU" dirty="0"/>
-          </a:p>
-        </p:txBody>
-      </p:sp>
-      <p:sp>
-        <p:nvSpPr>
-          <p:cNvPr id="3" name="Объект 2"/>
-          <p:cNvSpPr>
-            <a:spLocks noGrp="1"/>
-          </p:cNvSpPr>
-          <p:nvPr>
-            <p:ph idx="1"/>
-          </p:nvPr>
-        </p:nvSpPr>
-        <p:spPr/>
-        <p:txBody>
-          <a:bodyPr/>
-          <a:lstStyle/>
-          <a:p>
-            <a:endParaRPr lang="ru-RU" dirty="0"/>
-          </a:p>
-        </p:txBody>
-      </p:sp>
       <p:pic>
         <p:nvPicPr>
-          <p:cNvPr id="1026" name="Picture 2" descr="C:\Users\TM\Pictures\sharaga\Screenshot_1.png"/>
+          <p:cNvPr id="4098" name="Picture 2" descr="C:\Users\TM\Pictures\sharaga\79213892e85d57177c0ba9864dd75cc6.png"/>
           <p:cNvPicPr>
             <a:picLocks noChangeAspect="1" noChangeArrowheads="1"/>
           </p:cNvPicPr>
@@ -3877,8 +4036,90 @@
         </p:blipFill>
         <p:spPr bwMode="auto">
           <a:xfrm>
-            <a:off x="827584" y="1687088"/>
-            <a:ext cx="5760640" cy="4377811"/>
+            <a:off x="251520" y="1844824"/>
+            <a:ext cx="3810000" cy="3152775"/>
+          </a:xfrm>
+          <a:prstGeom prst="rect">
+            <a:avLst/>
+          </a:prstGeom>
+          <a:noFill/>
+          <a:extLst>
+            <a:ext uri="{909E8E84-426E-40DD-AFC4-6F175D3DCCD1}">
+              <a14:hiddenFill xmlns:a14="http://schemas.microsoft.com/office/drawing/2010/main">
+                <a:solidFill>
+                  <a:srgbClr val="FFFFFF"/>
+                </a:solidFill>
+              </a14:hiddenFill>
+            </a:ext>
+          </a:extLst>
+        </p:spPr>
+      </p:pic>
+      <p:pic>
+        <p:nvPicPr>
+          <p:cNvPr id="4099" name="Picture 3" descr="C:\Users\TM\Pictures\sharaga\Virtualbox_logo.png"/>
+          <p:cNvPicPr>
+            <a:picLocks noChangeAspect="1" noChangeArrowheads="1"/>
+          </p:cNvPicPr>
+          <p:nvPr/>
+        </p:nvPicPr>
+        <p:blipFill>
+          <a:blip r:embed="rId3">
+            <a:extLst>
+              <a:ext uri="{28A0092B-C50C-407E-A947-70E740481C1C}">
+                <a14:useLocalDpi xmlns:a14="http://schemas.microsoft.com/office/drawing/2010/main" val="0"/>
+              </a:ext>
+            </a:extLst>
+          </a:blip>
+          <a:srcRect/>
+          <a:stretch>
+            <a:fillRect/>
+          </a:stretch>
+        </p:blipFill>
+        <p:spPr bwMode="auto">
+          <a:xfrm>
+            <a:off x="5128736" y="1270842"/>
+            <a:ext cx="4156720" cy="4156720"/>
+          </a:xfrm>
+          <a:prstGeom prst="rect">
+            <a:avLst/>
+          </a:prstGeom>
+          <a:noFill/>
+          <a:extLst>
+            <a:ext uri="{909E8E84-426E-40DD-AFC4-6F175D3DCCD1}">
+              <a14:hiddenFill xmlns:a14="http://schemas.microsoft.com/office/drawing/2010/main">
+                <a:solidFill>
+                  <a:srgbClr val="FFFFFF"/>
+                </a:solidFill>
+              </a14:hiddenFill>
+            </a:ext>
+          </a:extLst>
+        </p:spPr>
+      </p:pic>
+      <p:pic>
+        <p:nvPicPr>
+          <p:cNvPr id="4100" name="Picture 4" descr="C:\Users\TM\Pictures\sharaga\Без названия.png"/>
+          <p:cNvPicPr>
+            <a:picLocks noChangeAspect="1" noChangeArrowheads="1"/>
+          </p:cNvPicPr>
+          <p:nvPr/>
+        </p:nvPicPr>
+        <p:blipFill>
+          <a:blip r:embed="rId4">
+            <a:extLst>
+              <a:ext uri="{28A0092B-C50C-407E-A947-70E740481C1C}">
+                <a14:useLocalDpi xmlns:a14="http://schemas.microsoft.com/office/drawing/2010/main" val="0"/>
+              </a:ext>
+            </a:extLst>
+          </a:blip>
+          <a:srcRect/>
+          <a:stretch>
+            <a:fillRect/>
+          </a:stretch>
+        </p:blipFill>
+        <p:spPr bwMode="auto">
+          <a:xfrm>
+            <a:off x="3808616" y="2709688"/>
+            <a:ext cx="1423045" cy="1423045"/>
           </a:xfrm>
           <a:prstGeom prst="rect">
             <a:avLst/>
@@ -3898,17 +4139,664 @@
     </p:spTree>
     <p:extLst>
       <p:ext uri="{BB962C8B-B14F-4D97-AF65-F5344CB8AC3E}">
-        <p14:creationId xmlns:p14="http://schemas.microsoft.com/office/powerpoint/2010/main" val="930157382"/>
+        <p14:creationId xmlns:p14="http://schemas.microsoft.com/office/powerpoint/2010/main" val="386819728"/>
       </p:ext>
     </p:extLst>
   </p:cSld>
   <p:clrMapOvr>
     <a:masterClrMapping/>
   </p:clrMapOvr>
+  <p:transition spd="slow">
+    <p:push dir="u"/>
+  </p:transition>
+  <p:timing>
+    <p:tnLst>
+      <p:par>
+        <p:cTn id="1" dur="indefinite" restart="never" nodeType="tmRoot"/>
+      </p:par>
+    </p:tnLst>
+  </p:timing>
 </p:sld>
 </file>
 
 <file path=ppt/slides/slide2.xml><?xml version="1.0" encoding="utf-8"?>
+<p:sld xmlns:a="http://schemas.openxmlformats.org/drawingml/2006/main" xmlns:r="http://schemas.openxmlformats.org/officeDocument/2006/relationships" xmlns:p="http://schemas.openxmlformats.org/presentationml/2006/main">
+  <p:cSld>
+    <p:spTree>
+      <p:nvGrpSpPr>
+        <p:cNvPr id="1" name=""/>
+        <p:cNvGrpSpPr/>
+        <p:nvPr/>
+      </p:nvGrpSpPr>
+      <p:grpSpPr>
+        <a:xfrm>
+          <a:off x="0" y="0"/>
+          <a:ext cx="0" cy="0"/>
+          <a:chOff x="0" y="0"/>
+          <a:chExt cx="0" cy="0"/>
+        </a:xfrm>
+      </p:grpSpPr>
+      <p:pic>
+        <p:nvPicPr>
+          <p:cNvPr id="2050" name="Picture 2" descr="C:\Users\TM\Pictures\sharaga\istockphoto-862739260-1024x1024.jpg"/>
+          <p:cNvPicPr>
+            <a:picLocks noChangeAspect="1" noChangeArrowheads="1"/>
+          </p:cNvPicPr>
+          <p:nvPr/>
+        </p:nvPicPr>
+        <p:blipFill>
+          <a:blip r:embed="rId2" cstate="print">
+            <a:extLst>
+              <a:ext uri="{28A0092B-C50C-407E-A947-70E740481C1C}">
+                <a14:useLocalDpi xmlns:a14="http://schemas.microsoft.com/office/drawing/2010/main" val="0"/>
+              </a:ext>
+            </a:extLst>
+          </a:blip>
+          <a:srcRect/>
+          <a:stretch>
+            <a:fillRect/>
+          </a:stretch>
+        </p:blipFill>
+        <p:spPr bwMode="auto">
+          <a:xfrm>
+            <a:off x="755576" y="1844824"/>
+            <a:ext cx="3548337" cy="2956346"/>
+          </a:xfrm>
+          <a:prstGeom prst="rect">
+            <a:avLst/>
+          </a:prstGeom>
+          <a:noFill/>
+          <a:extLst>
+            <a:ext uri="{909E8E84-426E-40DD-AFC4-6F175D3DCCD1}">
+              <a14:hiddenFill xmlns:a14="http://schemas.microsoft.com/office/drawing/2010/main">
+                <a:solidFill>
+                  <a:srgbClr val="FFFFFF"/>
+                </a:solidFill>
+              </a14:hiddenFill>
+            </a:ext>
+          </a:extLst>
+        </p:spPr>
+      </p:pic>
+      <p:pic>
+        <p:nvPicPr>
+          <p:cNvPr id="2051" name="Picture 3" descr="C:\Users\TM\Pictures\sharaga\istockphoto-862739260-1024x1024.jpg"/>
+          <p:cNvPicPr>
+            <a:picLocks noChangeAspect="1" noChangeArrowheads="1"/>
+          </p:cNvPicPr>
+          <p:nvPr/>
+        </p:nvPicPr>
+        <p:blipFill>
+          <a:blip r:embed="rId3" cstate="print">
+            <a:extLst>
+              <a:ext uri="{28A0092B-C50C-407E-A947-70E740481C1C}">
+                <a14:useLocalDpi xmlns:a14="http://schemas.microsoft.com/office/drawing/2010/main" val="0"/>
+              </a:ext>
+            </a:extLst>
+          </a:blip>
+          <a:srcRect/>
+          <a:stretch>
+            <a:fillRect/>
+          </a:stretch>
+        </p:blipFill>
+        <p:spPr bwMode="auto">
+          <a:xfrm>
+            <a:off x="4307946" y="260648"/>
+            <a:ext cx="3457087" cy="2880320"/>
+          </a:xfrm>
+          <a:prstGeom prst="rect">
+            <a:avLst/>
+          </a:prstGeom>
+          <a:noFill/>
+          <a:extLst>
+            <a:ext uri="{909E8E84-426E-40DD-AFC4-6F175D3DCCD1}">
+              <a14:hiddenFill xmlns:a14="http://schemas.microsoft.com/office/drawing/2010/main">
+                <a:solidFill>
+                  <a:srgbClr val="FFFFFF"/>
+                </a:solidFill>
+              </a14:hiddenFill>
+            </a:ext>
+          </a:extLst>
+        </p:spPr>
+      </p:pic>
+      <p:pic>
+        <p:nvPicPr>
+          <p:cNvPr id="2052" name="Picture 4" descr="C:\Users\TM\Pictures\sharaga\istockphoto-862739260-1024x1024.jpg"/>
+          <p:cNvPicPr>
+            <a:picLocks noChangeAspect="1" noChangeArrowheads="1"/>
+          </p:cNvPicPr>
+          <p:nvPr/>
+        </p:nvPicPr>
+        <p:blipFill>
+          <a:blip r:embed="rId4" cstate="print">
+            <a:extLst>
+              <a:ext uri="{28A0092B-C50C-407E-A947-70E740481C1C}">
+                <a14:useLocalDpi xmlns:a14="http://schemas.microsoft.com/office/drawing/2010/main" val="0"/>
+              </a:ext>
+            </a:extLst>
+          </a:blip>
+          <a:srcRect/>
+          <a:stretch>
+            <a:fillRect/>
+          </a:stretch>
+        </p:blipFill>
+        <p:spPr bwMode="auto">
+          <a:xfrm>
+            <a:off x="4303913" y="3322997"/>
+            <a:ext cx="3858592" cy="3214839"/>
+          </a:xfrm>
+          <a:prstGeom prst="rect">
+            <a:avLst/>
+          </a:prstGeom>
+          <a:noFill/>
+          <a:extLst>
+            <a:ext uri="{909E8E84-426E-40DD-AFC4-6F175D3DCCD1}">
+              <a14:hiddenFill xmlns:a14="http://schemas.microsoft.com/office/drawing/2010/main">
+                <a:solidFill>
+                  <a:srgbClr val="FFFFFF"/>
+                </a:solidFill>
+              </a14:hiddenFill>
+            </a:ext>
+          </a:extLst>
+        </p:spPr>
+      </p:pic>
+      <p:pic>
+        <p:nvPicPr>
+          <p:cNvPr id="2053" name="Picture 5" descr="C:\Users\TM\Pictures\sharaga\macoshero.jpg"/>
+          <p:cNvPicPr>
+            <a:picLocks noChangeAspect="1" noChangeArrowheads="1"/>
+          </p:cNvPicPr>
+          <p:nvPr/>
+        </p:nvPicPr>
+        <p:blipFill>
+          <a:blip r:embed="rId5" cstate="print">
+            <a:extLst>
+              <a:ext uri="{28A0092B-C50C-407E-A947-70E740481C1C}">
+                <a14:useLocalDpi xmlns:a14="http://schemas.microsoft.com/office/drawing/2010/main" val="0"/>
+              </a:ext>
+            </a:extLst>
+          </a:blip>
+          <a:srcRect/>
+          <a:stretch>
+            <a:fillRect/>
+          </a:stretch>
+        </p:blipFill>
+        <p:spPr bwMode="auto">
+          <a:xfrm>
+            <a:off x="2123728" y="2414322"/>
+            <a:ext cx="1309528" cy="1024774"/>
+          </a:xfrm>
+          <a:prstGeom prst="rect">
+            <a:avLst/>
+          </a:prstGeom>
+          <a:noFill/>
+          <a:extLst>
+            <a:ext uri="{909E8E84-426E-40DD-AFC4-6F175D3DCCD1}">
+              <a14:hiddenFill xmlns:a14="http://schemas.microsoft.com/office/drawing/2010/main">
+                <a:solidFill>
+                  <a:srgbClr val="FFFFFF"/>
+                </a:solidFill>
+              </a14:hiddenFill>
+            </a:ext>
+          </a:extLst>
+        </p:spPr>
+      </p:pic>
+      <p:pic>
+        <p:nvPicPr>
+          <p:cNvPr id="2054" name="Picture 6" descr="C:\Users\TM\Pictures\sharaga\1622644276_windows-10-sapphire.jpg"/>
+          <p:cNvPicPr>
+            <a:picLocks noChangeAspect="1" noChangeArrowheads="1"/>
+          </p:cNvPicPr>
+          <p:nvPr/>
+        </p:nvPicPr>
+        <p:blipFill>
+          <a:blip r:embed="rId6" cstate="print">
+            <a:extLst>
+              <a:ext uri="{28A0092B-C50C-407E-A947-70E740481C1C}">
+                <a14:useLocalDpi xmlns:a14="http://schemas.microsoft.com/office/drawing/2010/main" val="0"/>
+              </a:ext>
+            </a:extLst>
+          </a:blip>
+          <a:srcRect/>
+          <a:stretch>
+            <a:fillRect/>
+          </a:stretch>
+        </p:blipFill>
+        <p:spPr bwMode="auto">
+          <a:xfrm>
+            <a:off x="5687771" y="764704"/>
+            <a:ext cx="1090876" cy="1080120"/>
+          </a:xfrm>
+          <a:prstGeom prst="rect">
+            <a:avLst/>
+          </a:prstGeom>
+          <a:noFill/>
+          <a:extLst>
+            <a:ext uri="{909E8E84-426E-40DD-AFC4-6F175D3DCCD1}">
+              <a14:hiddenFill xmlns:a14="http://schemas.microsoft.com/office/drawing/2010/main">
+                <a:solidFill>
+                  <a:srgbClr val="FFFFFF"/>
+                </a:solidFill>
+              </a14:hiddenFill>
+            </a:ext>
+          </a:extLst>
+        </p:spPr>
+      </p:pic>
+      <p:pic>
+        <p:nvPicPr>
+          <p:cNvPr id="2055" name="Picture 7" descr="C:\Users\TM\Pictures\sharaga\1200px-Debian-OpenLogo.svg.png"/>
+          <p:cNvPicPr>
+            <a:picLocks noChangeAspect="1" noChangeArrowheads="1"/>
+          </p:cNvPicPr>
+          <p:nvPr/>
+        </p:nvPicPr>
+        <p:blipFill>
+          <a:blip r:embed="rId7" cstate="print">
+            <a:extLst>
+              <a:ext uri="{28A0092B-C50C-407E-A947-70E740481C1C}">
+                <a14:useLocalDpi xmlns:a14="http://schemas.microsoft.com/office/drawing/2010/main" val="0"/>
+              </a:ext>
+            </a:extLst>
+          </a:blip>
+          <a:srcRect/>
+          <a:stretch>
+            <a:fillRect/>
+          </a:stretch>
+        </p:blipFill>
+        <p:spPr bwMode="auto">
+          <a:xfrm>
+            <a:off x="6036489" y="3873428"/>
+            <a:ext cx="847245" cy="1119070"/>
+          </a:xfrm>
+          <a:prstGeom prst="rect">
+            <a:avLst/>
+          </a:prstGeom>
+          <a:noFill/>
+          <a:extLst>
+            <a:ext uri="{909E8E84-426E-40DD-AFC4-6F175D3DCCD1}">
+              <a14:hiddenFill xmlns:a14="http://schemas.microsoft.com/office/drawing/2010/main">
+                <a:solidFill>
+                  <a:srgbClr val="FFFFFF"/>
+                </a:solidFill>
+              </a14:hiddenFill>
+            </a:ext>
+          </a:extLst>
+        </p:spPr>
+      </p:pic>
+    </p:spTree>
+    <p:extLst>
+      <p:ext uri="{BB962C8B-B14F-4D97-AF65-F5344CB8AC3E}">
+        <p14:creationId xmlns:p14="http://schemas.microsoft.com/office/powerpoint/2010/main" val="192162293"/>
+      </p:ext>
+    </p:extLst>
+  </p:cSld>
+  <p:clrMapOvr>
+    <a:masterClrMapping/>
+  </p:clrMapOvr>
+  <p:transition spd="slow">
+    <p:push dir="u"/>
+  </p:transition>
+  <p:timing>
+    <p:tnLst>
+      <p:par>
+        <p:cTn id="1" dur="indefinite" restart="never" nodeType="tmRoot"/>
+      </p:par>
+    </p:tnLst>
+  </p:timing>
+</p:sld>
+</file>
+
+<file path=ppt/slides/slide3.xml><?xml version="1.0" encoding="utf-8"?>
+<p:sld xmlns:a="http://schemas.openxmlformats.org/drawingml/2006/main" xmlns:r="http://schemas.openxmlformats.org/officeDocument/2006/relationships" xmlns:p="http://schemas.openxmlformats.org/presentationml/2006/main">
+  <p:cSld>
+    <p:spTree>
+      <p:nvGrpSpPr>
+        <p:cNvPr id="1" name=""/>
+        <p:cNvGrpSpPr/>
+        <p:nvPr/>
+      </p:nvGrpSpPr>
+      <p:grpSpPr>
+        <a:xfrm>
+          <a:off x="0" y="0"/>
+          <a:ext cx="0" cy="0"/>
+          <a:chOff x="0" y="0"/>
+          <a:chExt cx="0" cy="0"/>
+        </a:xfrm>
+      </p:grpSpPr>
+      <p:pic>
+        <p:nvPicPr>
+          <p:cNvPr id="3074" name="Picture 2" descr="C:\Users\TM\Pictures\sharaga\istockphoto-862739260-1024x1024.jpg"/>
+          <p:cNvPicPr>
+            <a:picLocks noChangeAspect="1" noChangeArrowheads="1"/>
+          </p:cNvPicPr>
+          <p:nvPr/>
+        </p:nvPicPr>
+        <p:blipFill>
+          <a:blip r:embed="rId2">
+            <a:extLst>
+              <a:ext uri="{28A0092B-C50C-407E-A947-70E740481C1C}">
+                <a14:useLocalDpi xmlns:a14="http://schemas.microsoft.com/office/drawing/2010/main" val="0"/>
+              </a:ext>
+            </a:extLst>
+          </a:blip>
+          <a:srcRect/>
+          <a:stretch>
+            <a:fillRect/>
+          </a:stretch>
+        </p:blipFill>
+        <p:spPr bwMode="auto">
+          <a:xfrm>
+            <a:off x="395536" y="29056"/>
+            <a:ext cx="7887344" cy="6571449"/>
+          </a:xfrm>
+          <a:prstGeom prst="rect">
+            <a:avLst/>
+          </a:prstGeom>
+          <a:noFill/>
+          <a:extLst>
+            <a:ext uri="{909E8E84-426E-40DD-AFC4-6F175D3DCCD1}">
+              <a14:hiddenFill xmlns:a14="http://schemas.microsoft.com/office/drawing/2010/main">
+                <a:solidFill>
+                  <a:srgbClr val="FFFFFF"/>
+                </a:solidFill>
+              </a14:hiddenFill>
+            </a:ext>
+          </a:extLst>
+        </p:spPr>
+      </p:pic>
+      <p:pic>
+        <p:nvPicPr>
+          <p:cNvPr id="3075" name="Picture 3" descr="C:\Users\TM\Pictures\sharaga\1622644276_windows-10-sapphire.jpg"/>
+          <p:cNvPicPr>
+            <a:picLocks noChangeAspect="1" noChangeArrowheads="1"/>
+          </p:cNvPicPr>
+          <p:nvPr/>
+        </p:nvPicPr>
+        <p:blipFill>
+          <a:blip r:embed="rId3" cstate="print">
+            <a:extLst>
+              <a:ext uri="{28A0092B-C50C-407E-A947-70E740481C1C}">
+                <a14:useLocalDpi xmlns:a14="http://schemas.microsoft.com/office/drawing/2010/main" val="0"/>
+              </a:ext>
+            </a:extLst>
+          </a:blip>
+          <a:srcRect/>
+          <a:stretch>
+            <a:fillRect/>
+          </a:stretch>
+        </p:blipFill>
+        <p:spPr bwMode="auto">
+          <a:xfrm>
+            <a:off x="3275856" y="1100213"/>
+            <a:ext cx="1584175" cy="1568556"/>
+          </a:xfrm>
+          <a:prstGeom prst="rect">
+            <a:avLst/>
+          </a:prstGeom>
+          <a:noFill/>
+          <a:extLst>
+            <a:ext uri="{909E8E84-426E-40DD-AFC4-6F175D3DCCD1}">
+              <a14:hiddenFill xmlns:a14="http://schemas.microsoft.com/office/drawing/2010/main">
+                <a:solidFill>
+                  <a:srgbClr val="FFFFFF"/>
+                </a:solidFill>
+              </a14:hiddenFill>
+            </a:ext>
+          </a:extLst>
+        </p:spPr>
+      </p:pic>
+      <p:pic>
+        <p:nvPicPr>
+          <p:cNvPr id="3076" name="Picture 4" descr="C:\Users\TM\Pictures\sharaga\macoshero.jpg"/>
+          <p:cNvPicPr>
+            <a:picLocks noChangeAspect="1" noChangeArrowheads="1"/>
+          </p:cNvPicPr>
+          <p:nvPr/>
+        </p:nvPicPr>
+        <p:blipFill>
+          <a:blip r:embed="rId4" cstate="print">
+            <a:extLst>
+              <a:ext uri="{28A0092B-C50C-407E-A947-70E740481C1C}">
+                <a14:useLocalDpi xmlns:a14="http://schemas.microsoft.com/office/drawing/2010/main" val="0"/>
+              </a:ext>
+            </a:extLst>
+          </a:blip>
+          <a:srcRect/>
+          <a:stretch>
+            <a:fillRect/>
+          </a:stretch>
+        </p:blipFill>
+        <p:spPr bwMode="auto">
+          <a:xfrm>
+            <a:off x="4803744" y="1152145"/>
+            <a:ext cx="1871685" cy="1464691"/>
+          </a:xfrm>
+          <a:prstGeom prst="rect">
+            <a:avLst/>
+          </a:prstGeom>
+          <a:noFill/>
+          <a:extLst>
+            <a:ext uri="{909E8E84-426E-40DD-AFC4-6F175D3DCCD1}">
+              <a14:hiddenFill xmlns:a14="http://schemas.microsoft.com/office/drawing/2010/main">
+                <a:solidFill>
+                  <a:srgbClr val="FFFFFF"/>
+                </a:solidFill>
+              </a14:hiddenFill>
+            </a:ext>
+          </a:extLst>
+        </p:spPr>
+      </p:pic>
+      <p:pic>
+        <p:nvPicPr>
+          <p:cNvPr id="3078" name="Picture 6" descr="C:\Users\TM\Pictures\sharaga\1200px-Debian-OpenLogo.svg.png"/>
+          <p:cNvPicPr>
+            <a:picLocks noChangeAspect="1" noChangeArrowheads="1"/>
+          </p:cNvPicPr>
+          <p:nvPr/>
+        </p:nvPicPr>
+        <p:blipFill>
+          <a:blip r:embed="rId5" cstate="print">
+            <a:extLst>
+              <a:ext uri="{28A0092B-C50C-407E-A947-70E740481C1C}">
+                <a14:useLocalDpi xmlns:a14="http://schemas.microsoft.com/office/drawing/2010/main" val="0"/>
+              </a:ext>
+            </a:extLst>
+          </a:blip>
+          <a:srcRect/>
+          <a:stretch>
+            <a:fillRect/>
+          </a:stretch>
+        </p:blipFill>
+        <p:spPr bwMode="auto">
+          <a:xfrm>
+            <a:off x="4159346" y="1765693"/>
+            <a:ext cx="1288796" cy="1702285"/>
+          </a:xfrm>
+          <a:prstGeom prst="rect">
+            <a:avLst/>
+          </a:prstGeom>
+          <a:noFill/>
+          <a:extLst>
+            <a:ext uri="{909E8E84-426E-40DD-AFC4-6F175D3DCCD1}">
+              <a14:hiddenFill xmlns:a14="http://schemas.microsoft.com/office/drawing/2010/main">
+                <a:solidFill>
+                  <a:srgbClr val="FFFFFF"/>
+                </a:solidFill>
+              </a14:hiddenFill>
+            </a:ext>
+          </a:extLst>
+        </p:spPr>
+      </p:pic>
+    </p:spTree>
+    <p:extLst>
+      <p:ext uri="{BB962C8B-B14F-4D97-AF65-F5344CB8AC3E}">
+        <p14:creationId xmlns:p14="http://schemas.microsoft.com/office/powerpoint/2010/main" val="3375746725"/>
+      </p:ext>
+    </p:extLst>
+  </p:cSld>
+  <p:clrMapOvr>
+    <a:masterClrMapping/>
+  </p:clrMapOvr>
+  <p:transition spd="slow">
+    <p:push dir="u"/>
+  </p:transition>
+  <p:timing>
+    <p:tnLst>
+      <p:par>
+        <p:cTn id="1" dur="indefinite" restart="never" nodeType="tmRoot"/>
+      </p:par>
+    </p:tnLst>
+  </p:timing>
+</p:sld>
+</file>
+
+<file path=ppt/slides/slide4.xml><?xml version="1.0" encoding="utf-8"?>
+<p:sld xmlns:a="http://schemas.openxmlformats.org/drawingml/2006/main" xmlns:r="http://schemas.openxmlformats.org/officeDocument/2006/relationships" xmlns:p="http://schemas.openxmlformats.org/presentationml/2006/main">
+  <p:cSld>
+    <p:spTree>
+      <p:nvGrpSpPr>
+        <p:cNvPr id="1" name=""/>
+        <p:cNvGrpSpPr/>
+        <p:nvPr/>
+      </p:nvGrpSpPr>
+      <p:grpSpPr>
+        <a:xfrm>
+          <a:off x="0" y="0"/>
+          <a:ext cx="0" cy="0"/>
+          <a:chOff x="0" y="0"/>
+          <a:chExt cx="0" cy="0"/>
+        </a:xfrm>
+      </p:grpSpPr>
+      <p:sp>
+        <p:nvSpPr>
+          <p:cNvPr id="2" name="Заголовок 1"/>
+          <p:cNvSpPr>
+            <a:spLocks noGrp="1"/>
+          </p:cNvSpPr>
+          <p:nvPr>
+            <p:ph type="title"/>
+          </p:nvPr>
+        </p:nvSpPr>
+        <p:spPr/>
+        <p:txBody>
+          <a:bodyPr>
+            <a:normAutofit/>
+          </a:bodyPr>
+          <a:lstStyle/>
+          <a:p>
+            <a:r>
+              <a:rPr lang="ru-RU" sz="4000" dirty="0" smtClean="0">
+                <a:latin typeface="Bahnschrift Light Condensed" pitchFamily="34" charset="0"/>
+              </a:rPr>
+              <a:t>ОС на </a:t>
+            </a:r>
+            <a:r>
+              <a:rPr lang="en-US" sz="4000" dirty="0" smtClean="0">
+                <a:latin typeface="Bahnschrift Light Condensed" pitchFamily="34" charset="0"/>
+              </a:rPr>
+              <a:t>Virtual Box </a:t>
+            </a:r>
+            <a:r>
+              <a:rPr lang="ru-RU" sz="4000" dirty="0" smtClean="0">
+                <a:latin typeface="Bahnschrift Light Condensed" pitchFamily="34" charset="0"/>
+              </a:rPr>
+              <a:t>работает </a:t>
+            </a:r>
+            <a:r>
+              <a:rPr lang="ru-RU" sz="4000" dirty="0" err="1" smtClean="0">
+                <a:latin typeface="Bahnschrift Light Condensed" pitchFamily="34" charset="0"/>
+              </a:rPr>
+              <a:t>нативно</a:t>
+            </a:r>
+            <a:endParaRPr lang="ru-RU" sz="4000" dirty="0">
+              <a:latin typeface="Bahnschrift Light Condensed" pitchFamily="34" charset="0"/>
+            </a:endParaRPr>
+          </a:p>
+        </p:txBody>
+      </p:sp>
+      <p:sp>
+        <p:nvSpPr>
+          <p:cNvPr id="4" name="Объект 3"/>
+          <p:cNvSpPr>
+            <a:spLocks noGrp="1"/>
+          </p:cNvSpPr>
+          <p:nvPr>
+            <p:ph idx="1"/>
+          </p:nvPr>
+        </p:nvSpPr>
+        <p:spPr/>
+        <p:txBody>
+          <a:bodyPr/>
+          <a:lstStyle/>
+          <a:p>
+            <a:endParaRPr lang="ru-RU"/>
+          </a:p>
+        </p:txBody>
+      </p:sp>
+      <p:pic>
+        <p:nvPicPr>
+          <p:cNvPr id="3077" name="Picture 5" descr="C:\Users\TM\Pictures\Screenshots\Virtualbox-tampilan.jpg"/>
+          <p:cNvPicPr>
+            <a:picLocks noChangeAspect="1" noChangeArrowheads="1"/>
+          </p:cNvPicPr>
+          <p:nvPr/>
+        </p:nvPicPr>
+        <p:blipFill>
+          <a:blip r:embed="rId2">
+            <a:extLst>
+              <a:ext uri="{28A0092B-C50C-407E-A947-70E740481C1C}">
+                <a14:useLocalDpi xmlns:a14="http://schemas.microsoft.com/office/drawing/2010/main" val="0"/>
+              </a:ext>
+            </a:extLst>
+          </a:blip>
+          <a:srcRect/>
+          <a:stretch>
+            <a:fillRect/>
+          </a:stretch>
+        </p:blipFill>
+        <p:spPr bwMode="auto">
+          <a:xfrm>
+            <a:off x="539552" y="1412776"/>
+            <a:ext cx="8064896" cy="5040196"/>
+          </a:xfrm>
+          <a:prstGeom prst="rect">
+            <a:avLst/>
+          </a:prstGeom>
+          <a:noFill/>
+          <a:extLst>
+            <a:ext uri="{909E8E84-426E-40DD-AFC4-6F175D3DCCD1}">
+              <a14:hiddenFill xmlns:a14="http://schemas.microsoft.com/office/drawing/2010/main">
+                <a:solidFill>
+                  <a:srgbClr val="FFFFFF"/>
+                </a:solidFill>
+              </a14:hiddenFill>
+            </a:ext>
+          </a:extLst>
+        </p:spPr>
+      </p:pic>
+    </p:spTree>
+    <p:extLst>
+      <p:ext uri="{BB962C8B-B14F-4D97-AF65-F5344CB8AC3E}">
+        <p14:creationId xmlns:p14="http://schemas.microsoft.com/office/powerpoint/2010/main" val="4021921165"/>
+      </p:ext>
+    </p:extLst>
+  </p:cSld>
+  <p:clrMapOvr>
+    <a:masterClrMapping/>
+  </p:clrMapOvr>
+  <p:transition spd="slow">
+    <p:push dir="u"/>
+  </p:transition>
+  <p:timing>
+    <p:tnLst>
+      <p:par>
+        <p:cTn id="1" dur="indefinite" restart="never" nodeType="tmRoot"/>
+      </p:par>
+    </p:tnLst>
+  </p:timing>
+</p:sld>
+</file>
+
+<file path=ppt/slides/slide5.xml><?xml version="1.0" encoding="utf-8"?>
 <p:sld xmlns:a="http://schemas.openxmlformats.org/drawingml/2006/main" xmlns:r="http://schemas.openxmlformats.org/officeDocument/2006/relationships" xmlns:p="http://schemas.openxmlformats.org/presentationml/2006/main">
   <p:cSld>
     <p:spTree>
@@ -4014,496 +4902,9 @@
   <p:clrMapOvr>
     <a:masterClrMapping/>
   </p:clrMapOvr>
-  <p:timing>
-    <p:tnLst>
-      <p:par>
-        <p:cTn id="1" dur="indefinite" restart="never" nodeType="tmRoot"/>
-      </p:par>
-    </p:tnLst>
-  </p:timing>
-</p:sld>
-</file>
-
-<file path=ppt/slides/slide3.xml><?xml version="1.0" encoding="utf-8"?>
-<p:sld xmlns:a="http://schemas.openxmlformats.org/drawingml/2006/main" xmlns:r="http://schemas.openxmlformats.org/officeDocument/2006/relationships" xmlns:p="http://schemas.openxmlformats.org/presentationml/2006/main">
-  <p:cSld>
-    <p:spTree>
-      <p:nvGrpSpPr>
-        <p:cNvPr id="1" name=""/>
-        <p:cNvGrpSpPr/>
-        <p:nvPr/>
-      </p:nvGrpSpPr>
-      <p:grpSpPr>
-        <a:xfrm>
-          <a:off x="0" y="0"/>
-          <a:ext cx="0" cy="0"/>
-          <a:chOff x="0" y="0"/>
-          <a:chExt cx="0" cy="0"/>
-        </a:xfrm>
-      </p:grpSpPr>
-      <p:sp>
-        <p:nvSpPr>
-          <p:cNvPr id="2" name="Заголовок 1"/>
-          <p:cNvSpPr>
-            <a:spLocks noGrp="1"/>
-          </p:cNvSpPr>
-          <p:nvPr>
-            <p:ph type="title"/>
-          </p:nvPr>
-        </p:nvSpPr>
-        <p:spPr>
-          <a:xfrm>
-            <a:off x="457200" y="274638"/>
-            <a:ext cx="3754760" cy="1143000"/>
-          </a:xfrm>
-        </p:spPr>
-        <p:txBody>
-          <a:bodyPr>
-            <a:normAutofit fontScale="90000"/>
-          </a:bodyPr>
-          <a:lstStyle/>
-          <a:p>
-            <a:r>
-              <a:rPr lang="ru-RU" sz="3600" dirty="0" smtClean="0"/>
-              <a:t>А зачем нам он нужен?</a:t>
-            </a:r>
-            <a:endParaRPr lang="ru-RU" sz="3600" dirty="0"/>
-          </a:p>
-        </p:txBody>
-      </p:sp>
-      <p:pic>
-        <p:nvPicPr>
-          <p:cNvPr id="5" name="Объект 4"/>
-          <p:cNvPicPr>
-            <a:picLocks noGrp="1" noChangeAspect="1"/>
-          </p:cNvPicPr>
-          <p:nvPr>
-            <p:ph idx="1"/>
-          </p:nvPr>
-        </p:nvPicPr>
-        <p:blipFill>
-          <a:blip r:embed="rId2">
-            <a:extLst>
-              <a:ext uri="{28A0092B-C50C-407E-A947-70E740481C1C}">
-                <a14:useLocalDpi xmlns:a14="http://schemas.microsoft.com/office/drawing/2010/main" val="0"/>
-              </a:ext>
-            </a:extLst>
-          </a:blip>
-          <a:stretch>
-            <a:fillRect/>
-          </a:stretch>
-        </p:blipFill>
-        <p:spPr>
-          <a:xfrm>
-            <a:off x="5004048" y="1052736"/>
-            <a:ext cx="3888432" cy="3758093"/>
-          </a:xfrm>
-        </p:spPr>
-      </p:pic>
-      <p:sp>
-        <p:nvSpPr>
-          <p:cNvPr id="4" name="TextBox 3"/>
-          <p:cNvSpPr txBox="1"/>
-          <p:nvPr/>
-        </p:nvSpPr>
-        <p:spPr>
-          <a:xfrm>
-            <a:off x="107504" y="1517458"/>
-            <a:ext cx="4382873" cy="3139321"/>
-          </a:xfrm>
-          <a:prstGeom prst="rect">
-            <a:avLst/>
-          </a:prstGeom>
-          <a:noFill/>
-        </p:spPr>
-        <p:txBody>
-          <a:bodyPr wrap="square" rtlCol="0">
-            <a:spAutoFit/>
-          </a:bodyPr>
-          <a:lstStyle/>
-          <a:p>
-            <a:r>
-              <a:rPr lang="ru-RU" dirty="0" smtClean="0"/>
-              <a:t>Позволяет иметь множество ОС на одном</a:t>
-            </a:r>
-          </a:p>
-          <a:p>
-            <a:r>
-              <a:rPr lang="ru-RU" dirty="0" smtClean="0"/>
-              <a:t>Железе</a:t>
-            </a:r>
-          </a:p>
-          <a:p>
-            <a:pPr marL="342900" indent="-342900">
-              <a:buAutoNum type="arabicPeriod"/>
-            </a:pPr>
-            <a:r>
-              <a:rPr lang="ru-RU" dirty="0" smtClean="0"/>
-              <a:t>А зачем нам множество ОС?</a:t>
-            </a:r>
-          </a:p>
-          <a:p>
-            <a:r>
-              <a:rPr lang="ru-RU" dirty="0" smtClean="0"/>
-              <a:t>Главное протестировать нашу программу</a:t>
-            </a:r>
-          </a:p>
-          <a:p>
-            <a:r>
-              <a:rPr lang="ru-RU" dirty="0" smtClean="0"/>
-              <a:t>На множество ОС</a:t>
-            </a:r>
-          </a:p>
-          <a:p>
-            <a:r>
-              <a:rPr lang="ru-RU" dirty="0" smtClean="0"/>
-              <a:t>Ознакомится с другими ОС</a:t>
-            </a:r>
-          </a:p>
-          <a:p>
-            <a:pPr marL="342900" indent="-342900">
-              <a:buAutoNum type="arabicPeriod" startAt="2"/>
-            </a:pPr>
-            <a:r>
-              <a:rPr lang="ru-RU" dirty="0" smtClean="0"/>
-              <a:t>А других кроме него нету?</a:t>
-            </a:r>
-          </a:p>
-          <a:p>
-            <a:r>
-              <a:rPr lang="ru-RU" dirty="0" smtClean="0"/>
-              <a:t>Есть докер, но он очень сложный для рядового пользователя</a:t>
-            </a:r>
-          </a:p>
-          <a:p>
-            <a:r>
-              <a:rPr lang="ru-RU" dirty="0" smtClean="0"/>
-              <a:t>Запускать в </a:t>
-            </a:r>
-            <a:r>
-              <a:rPr lang="en-US" dirty="0" smtClean="0"/>
-              <a:t>BIOS </a:t>
-            </a:r>
-            <a:r>
-              <a:rPr lang="ru-RU" dirty="0" smtClean="0"/>
-              <a:t>опасно</a:t>
-            </a:r>
-          </a:p>
-          <a:p>
-            <a:endParaRPr lang="ru-RU" dirty="0"/>
-          </a:p>
-        </p:txBody>
-      </p:sp>
-    </p:spTree>
-    <p:extLst>
-      <p:ext uri="{BB962C8B-B14F-4D97-AF65-F5344CB8AC3E}">
-        <p14:creationId xmlns:p14="http://schemas.microsoft.com/office/powerpoint/2010/main" val="3270496986"/>
-      </p:ext>
-    </p:extLst>
-  </p:cSld>
-  <p:clrMapOvr>
-    <a:masterClrMapping/>
-  </p:clrMapOvr>
-  <p:timing>
-    <p:tnLst>
-      <p:par>
-        <p:cTn id="1" dur="indefinite" restart="never" nodeType="tmRoot"/>
-      </p:par>
-    </p:tnLst>
-  </p:timing>
-</p:sld>
-</file>
-
-<file path=ppt/slides/slide4.xml><?xml version="1.0" encoding="utf-8"?>
-<p:sld xmlns:a="http://schemas.openxmlformats.org/drawingml/2006/main" xmlns:r="http://schemas.openxmlformats.org/officeDocument/2006/relationships" xmlns:p="http://schemas.openxmlformats.org/presentationml/2006/main">
-  <p:cSld>
-    <p:spTree>
-      <p:nvGrpSpPr>
-        <p:cNvPr id="1" name=""/>
-        <p:cNvGrpSpPr/>
-        <p:nvPr/>
-      </p:nvGrpSpPr>
-      <p:grpSpPr>
-        <a:xfrm>
-          <a:off x="0" y="0"/>
-          <a:ext cx="0" cy="0"/>
-          <a:chOff x="0" y="0"/>
-          <a:chExt cx="0" cy="0"/>
-        </a:xfrm>
-      </p:grpSpPr>
-      <p:sp>
-        <p:nvSpPr>
-          <p:cNvPr id="2" name="Заголовок 1"/>
-          <p:cNvSpPr>
-            <a:spLocks noGrp="1"/>
-          </p:cNvSpPr>
-          <p:nvPr>
-            <p:ph type="title"/>
-          </p:nvPr>
-        </p:nvSpPr>
-        <p:spPr/>
-        <p:txBody>
-          <a:bodyPr>
-            <a:normAutofit/>
-          </a:bodyPr>
-          <a:lstStyle/>
-          <a:p>
-            <a:r>
-              <a:rPr lang="ru-RU" sz="3600" dirty="0" smtClean="0"/>
-              <a:t>ОС на </a:t>
-            </a:r>
-            <a:r>
-              <a:rPr lang="en-US" sz="3600" dirty="0" smtClean="0"/>
-              <a:t>Virtual Box </a:t>
-            </a:r>
-            <a:r>
-              <a:rPr lang="ru-RU" sz="3600" dirty="0" smtClean="0"/>
-              <a:t>работает </a:t>
-            </a:r>
-            <a:r>
-              <a:rPr lang="ru-RU" sz="3600" dirty="0" err="1" smtClean="0"/>
-              <a:t>нативно</a:t>
-            </a:r>
-            <a:endParaRPr lang="ru-RU" sz="3600" dirty="0"/>
-          </a:p>
-        </p:txBody>
-      </p:sp>
-      <p:sp>
-        <p:nvSpPr>
-          <p:cNvPr id="4" name="Объект 3"/>
-          <p:cNvSpPr>
-            <a:spLocks noGrp="1"/>
-          </p:cNvSpPr>
-          <p:nvPr>
-            <p:ph idx="1"/>
-          </p:nvPr>
-        </p:nvSpPr>
-        <p:spPr/>
-        <p:txBody>
-          <a:bodyPr/>
-          <a:lstStyle/>
-          <a:p>
-            <a:endParaRPr lang="ru-RU"/>
-          </a:p>
-        </p:txBody>
-      </p:sp>
-      <p:pic>
-        <p:nvPicPr>
-          <p:cNvPr id="3077" name="Picture 5" descr="C:\Users\TM\Pictures\Screenshots\Virtualbox-tampilan.jpg"/>
-          <p:cNvPicPr>
-            <a:picLocks noChangeAspect="1" noChangeArrowheads="1"/>
-          </p:cNvPicPr>
-          <p:nvPr/>
-        </p:nvPicPr>
-        <p:blipFill>
-          <a:blip r:embed="rId2">
-            <a:extLst>
-              <a:ext uri="{28A0092B-C50C-407E-A947-70E740481C1C}">
-                <a14:useLocalDpi xmlns:a14="http://schemas.microsoft.com/office/drawing/2010/main" val="0"/>
-              </a:ext>
-            </a:extLst>
-          </a:blip>
-          <a:srcRect/>
-          <a:stretch>
-            <a:fillRect/>
-          </a:stretch>
-        </p:blipFill>
-        <p:spPr bwMode="auto">
-          <a:xfrm>
-            <a:off x="539552" y="1412776"/>
-            <a:ext cx="8064896" cy="5040196"/>
-          </a:xfrm>
-          <a:prstGeom prst="rect">
-            <a:avLst/>
-          </a:prstGeom>
-          <a:noFill/>
-          <a:extLst>
-            <a:ext uri="{909E8E84-426E-40DD-AFC4-6F175D3DCCD1}">
-              <a14:hiddenFill xmlns:a14="http://schemas.microsoft.com/office/drawing/2010/main">
-                <a:solidFill>
-                  <a:srgbClr val="FFFFFF"/>
-                </a:solidFill>
-              </a14:hiddenFill>
-            </a:ext>
-          </a:extLst>
-        </p:spPr>
-      </p:pic>
-    </p:spTree>
-    <p:extLst>
-      <p:ext uri="{BB962C8B-B14F-4D97-AF65-F5344CB8AC3E}">
-        <p14:creationId xmlns:p14="http://schemas.microsoft.com/office/powerpoint/2010/main" val="4021921165"/>
-      </p:ext>
-    </p:extLst>
-  </p:cSld>
-  <p:clrMapOvr>
-    <a:masterClrMapping/>
-  </p:clrMapOvr>
-  <p:timing>
-    <p:tnLst>
-      <p:par>
-        <p:cTn id="1" dur="indefinite" restart="never" nodeType="tmRoot"/>
-      </p:par>
-    </p:tnLst>
-  </p:timing>
-</p:sld>
-</file>
-
-<file path=ppt/slides/slide5.xml><?xml version="1.0" encoding="utf-8"?>
-<p:sld xmlns:a="http://schemas.openxmlformats.org/drawingml/2006/main" xmlns:r="http://schemas.openxmlformats.org/officeDocument/2006/relationships" xmlns:p="http://schemas.openxmlformats.org/presentationml/2006/main">
-  <p:cSld>
-    <p:spTree>
-      <p:nvGrpSpPr>
-        <p:cNvPr id="1" name=""/>
-        <p:cNvGrpSpPr/>
-        <p:nvPr/>
-      </p:nvGrpSpPr>
-      <p:grpSpPr>
-        <a:xfrm>
-          <a:off x="0" y="0"/>
-          <a:ext cx="0" cy="0"/>
-          <a:chOff x="0" y="0"/>
-          <a:chExt cx="0" cy="0"/>
-        </a:xfrm>
-      </p:grpSpPr>
-      <p:sp>
-        <p:nvSpPr>
-          <p:cNvPr id="2" name="Заголовок 1"/>
-          <p:cNvSpPr>
-            <a:spLocks noGrp="1"/>
-          </p:cNvSpPr>
-          <p:nvPr>
-            <p:ph type="ctrTitle"/>
-          </p:nvPr>
-        </p:nvSpPr>
-        <p:spPr>
-          <a:xfrm>
-            <a:off x="685800" y="548681"/>
-            <a:ext cx="7772400" cy="1728191"/>
-          </a:xfrm>
-        </p:spPr>
-        <p:txBody>
-          <a:bodyPr/>
-          <a:lstStyle/>
-          <a:p>
-            <a:r>
-              <a:rPr lang="en-US" dirty="0"/>
-              <a:t> </a:t>
-            </a:r>
-            <a:r>
-              <a:rPr lang="ru-RU" dirty="0" smtClean="0"/>
-              <a:t>Поддерживает множество</a:t>
-            </a:r>
-            <a:br>
-              <a:rPr lang="ru-RU" dirty="0" smtClean="0"/>
-            </a:br>
-            <a:r>
-              <a:rPr lang="ru-RU" dirty="0" smtClean="0"/>
-              <a:t>ОС и их виды</a:t>
-            </a:r>
-            <a:endParaRPr lang="ru-RU" dirty="0"/>
-          </a:p>
-        </p:txBody>
-      </p:sp>
-      <p:sp>
-        <p:nvSpPr>
-          <p:cNvPr id="3" name="Подзаголовок 2"/>
-          <p:cNvSpPr>
-            <a:spLocks noGrp="1"/>
-          </p:cNvSpPr>
-          <p:nvPr>
-            <p:ph type="subTitle" idx="1"/>
-          </p:nvPr>
-        </p:nvSpPr>
-        <p:spPr>
-          <a:xfrm>
-            <a:off x="1371600" y="2636912"/>
-            <a:ext cx="6400800" cy="3001888"/>
-          </a:xfrm>
-        </p:spPr>
-        <p:txBody>
-          <a:bodyPr>
-            <a:normAutofit/>
-          </a:bodyPr>
-          <a:lstStyle/>
-          <a:p>
-            <a:pPr algn="l"/>
-            <a:r>
-              <a:rPr lang="ru-RU" sz="2000" dirty="0" smtClean="0">
-                <a:solidFill>
-                  <a:schemeClr val="tx1"/>
-                </a:solidFill>
-              </a:rPr>
-              <a:t>Популярные </a:t>
-            </a:r>
-            <a:r>
-              <a:rPr lang="en-US" sz="2000" dirty="0" smtClean="0">
-                <a:solidFill>
-                  <a:schemeClr val="tx1"/>
-                </a:solidFill>
-              </a:rPr>
-              <a:t>Windows:  10-7, Linux: RHEL, </a:t>
-            </a:r>
-            <a:r>
-              <a:rPr lang="en-US" sz="2000" dirty="0" err="1" smtClean="0">
-                <a:solidFill>
-                  <a:schemeClr val="tx1"/>
-                </a:solidFill>
-              </a:rPr>
-              <a:t>Debian</a:t>
-            </a:r>
-            <a:r>
-              <a:rPr lang="en-US" sz="2000" dirty="0" smtClean="0">
-                <a:solidFill>
-                  <a:schemeClr val="tx1"/>
-                </a:solidFill>
-              </a:rPr>
-              <a:t>, Ubuntu</a:t>
-            </a:r>
-          </a:p>
-          <a:p>
-            <a:pPr algn="l"/>
-            <a:r>
-              <a:rPr lang="en-US" sz="2000" dirty="0" smtClean="0">
-                <a:solidFill>
-                  <a:schemeClr val="tx1"/>
-                </a:solidFill>
-              </a:rPr>
-              <a:t>Fedora, Mac OS: 10.12, 10.13, 10.14 </a:t>
-            </a:r>
-            <a:r>
-              <a:rPr lang="ru-RU" sz="2000" dirty="0" smtClean="0">
-                <a:solidFill>
-                  <a:schemeClr val="tx1"/>
-                </a:solidFill>
-              </a:rPr>
-              <a:t>а также </a:t>
-            </a:r>
-            <a:r>
-              <a:rPr lang="en-US" sz="2000" dirty="0" smtClean="0">
-                <a:solidFill>
-                  <a:schemeClr val="tx1"/>
-                </a:solidFill>
-              </a:rPr>
-              <a:t>Oracle Solaris </a:t>
-            </a:r>
-            <a:endParaRPr lang="ru-RU" sz="2000" dirty="0">
-              <a:solidFill>
-                <a:schemeClr val="tx1"/>
-              </a:solidFill>
-            </a:endParaRPr>
-          </a:p>
-        </p:txBody>
-      </p:sp>
-    </p:spTree>
-    <p:extLst>
-      <p:ext uri="{BB962C8B-B14F-4D97-AF65-F5344CB8AC3E}">
-        <p14:creationId xmlns:p14="http://schemas.microsoft.com/office/powerpoint/2010/main" val="2427666997"/>
-      </p:ext>
-    </p:extLst>
-  </p:cSld>
-  <p:clrMapOvr>
-    <a:masterClrMapping/>
-  </p:clrMapOvr>
+  <p:transition spd="slow">
+    <p:push dir="u"/>
+  </p:transition>
   <p:timing>
     <p:tnLst>
       <p:par>
@@ -4538,53 +4939,141 @@
             <a:spLocks noGrp="1"/>
           </p:cNvSpPr>
           <p:nvPr>
-            <p:ph type="title"/>
+            <p:ph type="ctrTitle"/>
           </p:nvPr>
         </p:nvSpPr>
         <p:spPr/>
         <p:txBody>
           <a:bodyPr>
-            <a:normAutofit/>
+            <a:noAutofit/>
           </a:bodyPr>
           <a:lstStyle/>
           <a:p>
             <a:r>
-              <a:rPr lang="en-US" dirty="0" smtClean="0"/>
-              <a:t>Windows &amp; Linux</a:t>
+              <a:rPr lang="ru-RU" dirty="0" smtClean="0">
+                <a:latin typeface="Bahnschrift Light Condensed" pitchFamily="34" charset="0"/>
+              </a:rPr>
+              <a:t>Не надо:</a:t>
             </a:r>
             <a:br>
-              <a:rPr lang="en-US" dirty="0" smtClean="0"/>
+              <a:rPr lang="ru-RU" dirty="0" smtClean="0">
+                <a:latin typeface="Bahnschrift Light Condensed" pitchFamily="34" charset="0"/>
+              </a:rPr>
             </a:br>
             <a:r>
-              <a:rPr lang="ru-RU" sz="1600" dirty="0" smtClean="0"/>
-              <a:t>мощь</a:t>
-            </a:r>
+              <a:rPr lang="ru-RU" dirty="0" smtClean="0">
+                <a:latin typeface="Bahnschrift Light Condensed" pitchFamily="34" charset="0"/>
+              </a:rPr>
+              <a:t>1. Создавать виртуальный диск или даже подключать новый</a:t>
+            </a:r>
+            <a:br>
+              <a:rPr lang="ru-RU" dirty="0" smtClean="0">
+                <a:latin typeface="Bahnschrift Light Condensed" pitchFamily="34" charset="0"/>
+              </a:rPr>
+            </a:br>
+            <a:r>
+              <a:rPr lang="ru-RU" dirty="0" smtClean="0">
+                <a:latin typeface="Bahnschrift Light Condensed" pitchFamily="34" charset="0"/>
+              </a:rPr>
+              <a:t>2. Входит </a:t>
+            </a:r>
+            <a:r>
+              <a:rPr lang="ru-RU" dirty="0" err="1" smtClean="0">
+                <a:latin typeface="Bahnschrift Light Condensed" pitchFamily="34" charset="0"/>
+              </a:rPr>
+              <a:t>биос</a:t>
+            </a:r>
+            <a:r>
+              <a:rPr lang="ru-RU" dirty="0" smtClean="0">
+                <a:latin typeface="Bahnschrift Light Condensed" pitchFamily="34" charset="0"/>
+              </a:rPr>
+              <a:t> и иметь с собой </a:t>
+            </a:r>
+            <a:r>
+              <a:rPr lang="ru-RU" dirty="0" err="1" smtClean="0">
+                <a:latin typeface="Bahnschrift Light Condensed" pitchFamily="34" charset="0"/>
+              </a:rPr>
+              <a:t>флешку</a:t>
+            </a:r>
+            <a:r>
+              <a:rPr lang="ru-RU" dirty="0" smtClean="0">
+                <a:latin typeface="Bahnschrift Light Condensed" pitchFamily="34" charset="0"/>
+              </a:rPr>
+              <a:t> или диск</a:t>
+            </a:r>
+            <a:br>
+              <a:rPr lang="ru-RU" dirty="0" smtClean="0">
+                <a:latin typeface="Bahnschrift Light Condensed" pitchFamily="34" charset="0"/>
+              </a:rPr>
+            </a:br>
+            <a:endParaRPr lang="ru-RU" dirty="0">
+              <a:latin typeface="Bahnschrift Light Condensed" pitchFamily="34" charset="0"/>
+            </a:endParaRPr>
+          </a:p>
+        </p:txBody>
+      </p:sp>
+      <p:sp>
+        <p:nvSpPr>
+          <p:cNvPr id="3" name="Подзаголовок 2"/>
+          <p:cNvSpPr>
+            <a:spLocks noGrp="1"/>
+          </p:cNvSpPr>
+          <p:nvPr>
+            <p:ph type="subTitle" idx="1"/>
+          </p:nvPr>
+        </p:nvSpPr>
+        <p:spPr/>
+        <p:txBody>
+          <a:bodyPr/>
+          <a:lstStyle/>
+          <a:p>
             <a:endParaRPr lang="ru-RU" dirty="0"/>
           </a:p>
         </p:txBody>
       </p:sp>
-      <p:sp>
-        <p:nvSpPr>
-          <p:cNvPr id="3" name="Объект 2"/>
-          <p:cNvSpPr>
-            <a:spLocks noGrp="1"/>
-          </p:cNvSpPr>
-          <p:nvPr>
-            <p:ph idx="1"/>
-          </p:nvPr>
-        </p:nvSpPr>
-        <p:spPr/>
-        <p:txBody>
-          <a:bodyPr/>
-          <a:lstStyle/>
-          <a:p>
-            <a:endParaRPr lang="ru-RU"/>
-          </a:p>
-        </p:txBody>
-      </p:sp>
+    </p:spTree>
+    <p:extLst>
+      <p:ext uri="{BB962C8B-B14F-4D97-AF65-F5344CB8AC3E}">
+        <p14:creationId xmlns:p14="http://schemas.microsoft.com/office/powerpoint/2010/main" val="2490502568"/>
+      </p:ext>
+    </p:extLst>
+  </p:cSld>
+  <p:clrMapOvr>
+    <a:masterClrMapping/>
+  </p:clrMapOvr>
+  <p:transition spd="slow">
+    <p:push dir="u"/>
+  </p:transition>
+  <p:timing>
+    <p:tnLst>
+      <p:par>
+        <p:cTn id="1" dur="indefinite" restart="never" nodeType="tmRoot"/>
+      </p:par>
+    </p:tnLst>
+  </p:timing>
+</p:sld>
+</file>
+
+<file path=ppt/slides/slide7.xml><?xml version="1.0" encoding="utf-8"?>
+<p:sld xmlns:a="http://schemas.openxmlformats.org/drawingml/2006/main" xmlns:r="http://schemas.openxmlformats.org/officeDocument/2006/relationships" xmlns:p="http://schemas.openxmlformats.org/presentationml/2006/main">
+  <p:cSld>
+    <p:spTree>
+      <p:nvGrpSpPr>
+        <p:cNvPr id="1" name=""/>
+        <p:cNvGrpSpPr/>
+        <p:nvPr/>
+      </p:nvGrpSpPr>
+      <p:grpSpPr>
+        <a:xfrm>
+          <a:off x="0" y="0"/>
+          <a:ext cx="0" cy="0"/>
+          <a:chOff x="0" y="0"/>
+          <a:chExt cx="0" cy="0"/>
+        </a:xfrm>
+      </p:grpSpPr>
       <p:pic>
         <p:nvPicPr>
-          <p:cNvPr id="1026" name="Picture 2" descr="C:\Users\TM\Pictures\sharaga\мускула.jpg"/>
+          <p:cNvPr id="1026" name="Picture 2"/>
           <p:cNvPicPr>
             <a:picLocks noChangeAspect="1" noChangeArrowheads="1"/>
           </p:cNvPicPr>
@@ -4605,153 +5094,103 @@
         </p:blipFill>
         <p:spPr bwMode="auto">
           <a:xfrm>
-            <a:off x="251520" y="1646089"/>
-            <a:ext cx="8572500" cy="4819650"/>
+            <a:off x="179512" y="1916832"/>
+            <a:ext cx="8819925" cy="1387971"/>
           </a:xfrm>
           <a:prstGeom prst="rect">
             <a:avLst/>
           </a:prstGeom>
           <a:noFill/>
+          <a:ln>
+            <a:noFill/>
+          </a:ln>
+          <a:effectLst/>
           <a:extLst>
             <a:ext uri="{909E8E84-426E-40DD-AFC4-6F175D3DCCD1}">
               <a14:hiddenFill xmlns:a14="http://schemas.microsoft.com/office/drawing/2010/main">
                 <a:solidFill>
-                  <a:srgbClr val="FFFFFF"/>
+                  <a:schemeClr val="accent1"/>
                 </a:solidFill>
               </a14:hiddenFill>
+            </a:ext>
+            <a:ext uri="{91240B29-F687-4F45-9708-019B960494DF}">
+              <a14:hiddenLine xmlns:a14="http://schemas.microsoft.com/office/drawing/2010/main" w="9525">
+                <a:solidFill>
+                  <a:schemeClr val="tx1"/>
+                </a:solidFill>
+                <a:miter lim="800000"/>
+                <a:headEnd/>
+                <a:tailEnd/>
+              </a14:hiddenLine>
+            </a:ext>
+            <a:ext uri="{AF507438-7753-43E0-B8FC-AC1667EBCBE1}">
+              <a14:hiddenEffects xmlns:a14="http://schemas.microsoft.com/office/drawing/2010/main">
+                <a:effectLst>
+                  <a:outerShdw dist="35921" dir="2700000" algn="ctr" rotWithShape="0">
+                    <a:schemeClr val="bg2"/>
+                  </a:outerShdw>
+                </a:effectLst>
+              </a14:hiddenEffects>
             </a:ext>
           </a:extLst>
         </p:spPr>
       </p:pic>
+      <p:sp>
+        <p:nvSpPr>
+          <p:cNvPr id="2" name="TextBox 1"/>
+          <p:cNvSpPr txBox="1"/>
+          <p:nvPr/>
+        </p:nvSpPr>
+        <p:spPr>
+          <a:xfrm>
+            <a:off x="3419872" y="3861048"/>
+            <a:ext cx="2448272" cy="523220"/>
+          </a:xfrm>
+          <a:prstGeom prst="rect">
+            <a:avLst/>
+          </a:prstGeom>
+        </p:spPr>
+        <p:style>
+          <a:lnRef idx="2">
+            <a:schemeClr val="accent4"/>
+          </a:lnRef>
+          <a:fillRef idx="1">
+            <a:schemeClr val="lt1"/>
+          </a:fillRef>
+          <a:effectRef idx="0">
+            <a:schemeClr val="accent4"/>
+          </a:effectRef>
+          <a:fontRef idx="minor">
+            <a:schemeClr val="dk1"/>
+          </a:fontRef>
+        </p:style>
+        <p:txBody>
+          <a:bodyPr wrap="square" rtlCol="0">
+            <a:spAutoFit/>
+          </a:bodyPr>
+          <a:lstStyle/>
+          <a:p>
+            <a:r>
+              <a:rPr lang="ru-RU" sz="2800" dirty="0" smtClean="0"/>
+              <a:t>Общее 236 ГБ</a:t>
+            </a:r>
+            <a:endParaRPr lang="ru-RU" sz="2800" dirty="0"/>
+          </a:p>
+        </p:txBody>
+      </p:sp>
     </p:spTree>
     <p:extLst>
       <p:ext uri="{BB962C8B-B14F-4D97-AF65-F5344CB8AC3E}">
-        <p14:creationId xmlns:p14="http://schemas.microsoft.com/office/powerpoint/2010/main" val="709890497"/>
+        <p14:creationId xmlns:p14="http://schemas.microsoft.com/office/powerpoint/2010/main" val="2620339975"/>
       </p:ext>
     </p:extLst>
   </p:cSld>
   <p:clrMapOvr>
     <a:masterClrMapping/>
   </p:clrMapOvr>
-</p:sld>
-</file>
-
-<file path=ppt/slides/slide7.xml><?xml version="1.0" encoding="utf-8"?>
-<p:sld xmlns:a="http://schemas.openxmlformats.org/drawingml/2006/main" xmlns:r="http://schemas.openxmlformats.org/officeDocument/2006/relationships" xmlns:p="http://schemas.openxmlformats.org/presentationml/2006/main">
-  <p:cSld>
-    <p:spTree>
-      <p:nvGrpSpPr>
-        <p:cNvPr id="1" name=""/>
-        <p:cNvGrpSpPr/>
-        <p:nvPr/>
-      </p:nvGrpSpPr>
-      <p:grpSpPr>
-        <a:xfrm>
-          <a:off x="0" y="0"/>
-          <a:ext cx="0" cy="0"/>
-          <a:chOff x="0" y="0"/>
-          <a:chExt cx="0" cy="0"/>
-        </a:xfrm>
-      </p:grpSpPr>
-      <p:sp>
-        <p:nvSpPr>
-          <p:cNvPr id="2" name="Заголовок 1"/>
-          <p:cNvSpPr>
-            <a:spLocks noGrp="1"/>
-          </p:cNvSpPr>
-          <p:nvPr>
-            <p:ph type="title"/>
-          </p:nvPr>
-        </p:nvSpPr>
-        <p:spPr/>
-        <p:txBody>
-          <a:bodyPr>
-            <a:normAutofit/>
-          </a:bodyPr>
-          <a:lstStyle/>
-          <a:p>
-            <a:r>
-              <a:rPr lang="ru-RU" sz="4000" dirty="0" smtClean="0"/>
-              <a:t>Скачать </a:t>
-            </a:r>
-            <a:r>
-              <a:rPr lang="en-US" sz="4000" dirty="0" smtClean="0"/>
-              <a:t>virtual box</a:t>
-            </a:r>
-            <a:endParaRPr lang="ru-RU" sz="4000" dirty="0"/>
-          </a:p>
-        </p:txBody>
-      </p:sp>
-      <p:sp>
-        <p:nvSpPr>
-          <p:cNvPr id="3" name="Объект 2"/>
-          <p:cNvSpPr>
-            <a:spLocks noGrp="1"/>
-          </p:cNvSpPr>
-          <p:nvPr>
-            <p:ph idx="1"/>
-          </p:nvPr>
-        </p:nvSpPr>
-        <p:spPr/>
-        <p:txBody>
-          <a:bodyPr/>
-          <a:lstStyle/>
-          <a:p>
-            <a:endParaRPr lang="ru-RU" dirty="0"/>
-          </a:p>
-        </p:txBody>
-      </p:sp>
-      <p:pic>
-        <p:nvPicPr>
-          <p:cNvPr id="2050" name="Picture 2" descr="C:\Users\TM\Pictures\Screenshots\Снимок экрана (207).png"/>
-          <p:cNvPicPr>
-            <a:picLocks noChangeAspect="1" noChangeArrowheads="1"/>
-          </p:cNvPicPr>
-          <p:nvPr/>
-        </p:nvPicPr>
-        <p:blipFill>
-          <a:blip r:embed="rId2">
-            <a:extLst>
-              <a:ext uri="{28A0092B-C50C-407E-A947-70E740481C1C}">
-                <a14:useLocalDpi xmlns:a14="http://schemas.microsoft.com/office/drawing/2010/main" val="0"/>
-              </a:ext>
-            </a:extLst>
-          </a:blip>
-          <a:srcRect/>
-          <a:stretch>
-            <a:fillRect/>
-          </a:stretch>
-        </p:blipFill>
-        <p:spPr bwMode="auto">
-          <a:xfrm>
-            <a:off x="467544" y="1628800"/>
-            <a:ext cx="8123238" cy="4838700"/>
-          </a:xfrm>
-          <a:prstGeom prst="rect">
-            <a:avLst/>
-          </a:prstGeom>
-          <a:noFill/>
-          <a:extLst>
-            <a:ext uri="{909E8E84-426E-40DD-AFC4-6F175D3DCCD1}">
-              <a14:hiddenFill xmlns:a14="http://schemas.microsoft.com/office/drawing/2010/main">
-                <a:solidFill>
-                  <a:srgbClr val="FFFFFF"/>
-                </a:solidFill>
-              </a14:hiddenFill>
-            </a:ext>
-          </a:extLst>
-        </p:spPr>
-      </p:pic>
-    </p:spTree>
-    <p:extLst>
-      <p:ext uri="{BB962C8B-B14F-4D97-AF65-F5344CB8AC3E}">
-        <p14:creationId xmlns:p14="http://schemas.microsoft.com/office/powerpoint/2010/main" val="787844505"/>
-      </p:ext>
-    </p:extLst>
-  </p:cSld>
-  <p:clrMapOvr>
-    <a:masterClrMapping/>
-  </p:clrMapOvr>
+  <p:transition spd="slow">
+    <p:push dir="u"/>
+  </p:transition>
   <p:timing>
     <p:tnLst>
       <p:par>
@@ -4779,53 +5218,9 @@
           <a:chExt cx="0" cy="0"/>
         </a:xfrm>
       </p:grpSpPr>
-      <p:sp>
-        <p:nvSpPr>
-          <p:cNvPr id="2" name="Заголовок 1"/>
-          <p:cNvSpPr>
-            <a:spLocks noGrp="1"/>
-          </p:cNvSpPr>
-          <p:nvPr>
-            <p:ph type="title"/>
-          </p:nvPr>
-        </p:nvSpPr>
-        <p:spPr/>
-        <p:txBody>
-          <a:bodyPr>
-            <a:normAutofit/>
-          </a:bodyPr>
-          <a:lstStyle/>
-          <a:p>
-            <a:r>
-              <a:rPr lang="ru-RU" sz="3600" dirty="0" smtClean="0"/>
-              <a:t>Создаем новый ОС</a:t>
-            </a:r>
-            <a:endParaRPr lang="ru-RU" sz="3600" dirty="0"/>
-          </a:p>
-        </p:txBody>
-      </p:sp>
-      <p:sp>
-        <p:nvSpPr>
-          <p:cNvPr id="3" name="Объект 2"/>
-          <p:cNvSpPr>
-            <a:spLocks noGrp="1"/>
-          </p:cNvSpPr>
-          <p:nvPr>
-            <p:ph idx="1"/>
-          </p:nvPr>
-        </p:nvSpPr>
-        <p:spPr/>
-        <p:txBody>
-          <a:bodyPr/>
-          <a:lstStyle/>
-          <a:p>
-            <a:endParaRPr lang="ru-RU"/>
-          </a:p>
-        </p:txBody>
-      </p:sp>
       <p:pic>
         <p:nvPicPr>
-          <p:cNvPr id="3074" name="Picture 2" descr="C:\Users\TM\Pictures\Screenshots\Снимок экрана (233).png"/>
+          <p:cNvPr id="1026" name="Picture 2" descr="C:\Users\TM\Pictures\virt.png"/>
           <p:cNvPicPr>
             <a:picLocks noChangeAspect="1" noChangeArrowheads="1"/>
           </p:cNvPicPr>
@@ -4846,8 +5241,8 @@
         </p:blipFill>
         <p:spPr bwMode="auto">
           <a:xfrm>
-            <a:off x="582437" y="1650512"/>
-            <a:ext cx="8008938" cy="4427537"/>
+            <a:off x="467544" y="261892"/>
+            <a:ext cx="8237736" cy="6196107"/>
           </a:xfrm>
           <a:prstGeom prst="rect">
             <a:avLst/>
@@ -4867,13 +5262,23 @@
     </p:spTree>
     <p:extLst>
       <p:ext uri="{BB962C8B-B14F-4D97-AF65-F5344CB8AC3E}">
-        <p14:creationId xmlns:p14="http://schemas.microsoft.com/office/powerpoint/2010/main" val="3269077337"/>
+        <p14:creationId xmlns:p14="http://schemas.microsoft.com/office/powerpoint/2010/main" val="3999190381"/>
       </p:ext>
     </p:extLst>
   </p:cSld>
   <p:clrMapOvr>
     <a:masterClrMapping/>
   </p:clrMapOvr>
+  <p:transition spd="slow">
+    <p:push dir="u"/>
+  </p:transition>
+  <p:timing>
+    <p:tnLst>
+      <p:par>
+        <p:cTn id="1" dur="indefinite" restart="never" nodeType="tmRoot"/>
+      </p:par>
+    </p:tnLst>
+  </p:timing>
 </p:sld>
 </file>
 
@@ -4904,45 +5309,39 @@
             <p:ph type="title"/>
           </p:nvPr>
         </p:nvSpPr>
-        <p:spPr/>
-        <p:txBody>
-          <a:bodyPr/>
-          <a:lstStyle/>
-          <a:p>
-            <a:r>
-              <a:rPr lang="ru-RU" dirty="0" smtClean="0"/>
-              <a:t>Выбираем параметры</a:t>
-            </a:r>
-            <a:endParaRPr lang="ru-RU" dirty="0"/>
-          </a:p>
-        </p:txBody>
-      </p:sp>
-      <p:sp>
-        <p:nvSpPr>
-          <p:cNvPr id="3" name="Объект 2"/>
-          <p:cNvSpPr>
-            <a:spLocks noGrp="1"/>
-          </p:cNvSpPr>
-          <p:nvPr>
-            <p:ph idx="1"/>
-          </p:nvPr>
-        </p:nvSpPr>
-        <p:spPr/>
-        <p:txBody>
-          <a:bodyPr/>
-          <a:lstStyle/>
-          <a:p>
-            <a:endParaRPr lang="ru-RU"/>
+        <p:spPr>
+          <a:xfrm>
+            <a:off x="457200" y="274638"/>
+            <a:ext cx="3754760" cy="1143000"/>
+          </a:xfrm>
+        </p:spPr>
+        <p:txBody>
+          <a:bodyPr>
+            <a:noAutofit/>
+          </a:bodyPr>
+          <a:lstStyle/>
+          <a:p>
+            <a:r>
+              <a:rPr lang="ru-RU" sz="3600" dirty="0" smtClean="0">
+                <a:latin typeface="Bahnschrift Light Condensed" pitchFamily="34" charset="0"/>
+              </a:rPr>
+              <a:t>А зачем нам он нужен?</a:t>
+            </a:r>
+            <a:endParaRPr lang="ru-RU" sz="3600" dirty="0">
+              <a:latin typeface="Bahnschrift Light Condensed" pitchFamily="34" charset="0"/>
+            </a:endParaRPr>
           </a:p>
         </p:txBody>
       </p:sp>
       <p:pic>
         <p:nvPicPr>
-          <p:cNvPr id="4098" name="Picture 2" descr="C:\Users\TM\Pictures\Screenshots\Снимок экрана (234).png"/>
+          <p:cNvPr id="5" name="Объект 4"/>
           <p:cNvPicPr>
-            <a:picLocks noChangeAspect="1" noChangeArrowheads="1"/>
+            <a:picLocks noGrp="1" noChangeAspect="1"/>
           </p:cNvPicPr>
-          <p:nvPr/>
+          <p:nvPr>
+            <p:ph idx="1"/>
+          </p:nvPr>
         </p:nvPicPr>
         <p:blipFill>
           <a:blip r:embed="rId2">
@@ -4952,41 +5351,192 @@
               </a:ext>
             </a:extLst>
           </a:blip>
-          <a:srcRect/>
           <a:stretch>
             <a:fillRect/>
           </a:stretch>
         </p:blipFill>
-        <p:spPr bwMode="auto">
+        <p:spPr>
           <a:xfrm>
-            <a:off x="755576" y="1620837"/>
-            <a:ext cx="7727951" cy="4549775"/>
+            <a:off x="5004048" y="1052736"/>
+            <a:ext cx="3888432" cy="3758093"/>
+          </a:xfrm>
+        </p:spPr>
+      </p:pic>
+      <p:sp>
+        <p:nvSpPr>
+          <p:cNvPr id="4" name="TextBox 3"/>
+          <p:cNvSpPr txBox="1"/>
+          <p:nvPr/>
+        </p:nvSpPr>
+        <p:spPr>
+          <a:xfrm>
+            <a:off x="107504" y="1517458"/>
+            <a:ext cx="4382873" cy="3785652"/>
           </a:xfrm>
           <a:prstGeom prst="rect">
             <a:avLst/>
           </a:prstGeom>
           <a:noFill/>
-          <a:extLst>
-            <a:ext uri="{909E8E84-426E-40DD-AFC4-6F175D3DCCD1}">
-              <a14:hiddenFill xmlns:a14="http://schemas.microsoft.com/office/drawing/2010/main">
-                <a:solidFill>
-                  <a:srgbClr val="FFFFFF"/>
-                </a:solidFill>
-              </a14:hiddenFill>
-            </a:ext>
-          </a:extLst>
         </p:spPr>
-      </p:pic>
+        <p:txBody>
+          <a:bodyPr wrap="square" rtlCol="0">
+            <a:spAutoFit/>
+          </a:bodyPr>
+          <a:lstStyle/>
+          <a:p>
+            <a:r>
+              <a:rPr lang="ru-RU" sz="2400" dirty="0" smtClean="0">
+                <a:latin typeface="Bahnschrift Light Condensed" pitchFamily="34" charset="0"/>
+              </a:rPr>
+              <a:t>Позволяет иметь множество ОС на одном</a:t>
+            </a:r>
+          </a:p>
+          <a:p>
+            <a:r>
+              <a:rPr lang="ru-RU" sz="2400" dirty="0" smtClean="0">
+                <a:latin typeface="Bahnschrift Light Condensed" pitchFamily="34" charset="0"/>
+              </a:rPr>
+              <a:t>Железе</a:t>
+            </a:r>
+          </a:p>
+          <a:p>
+            <a:pPr marL="342900" indent="-342900">
+              <a:buAutoNum type="arabicPeriod"/>
+            </a:pPr>
+            <a:r>
+              <a:rPr lang="ru-RU" sz="2400" dirty="0" smtClean="0">
+                <a:latin typeface="Bahnschrift Light Condensed" pitchFamily="34" charset="0"/>
+              </a:rPr>
+              <a:t>А зачем нам множество ОС</a:t>
+            </a:r>
+            <a:r>
+              <a:rPr lang="ru-RU" sz="2400" dirty="0" smtClean="0">
+                <a:latin typeface="Bahnschrift Light Condensed" pitchFamily="34" charset="0"/>
+              </a:rPr>
+              <a:t>?</a:t>
+            </a:r>
+          </a:p>
+          <a:p>
+            <a:r>
+              <a:rPr lang="ru-RU" sz="2400" dirty="0" smtClean="0">
+                <a:latin typeface="Bahnschrift Light Condensed" pitchFamily="34" charset="0"/>
+              </a:rPr>
+              <a:t>- Для работы</a:t>
+            </a:r>
+            <a:endParaRPr lang="ru-RU" sz="2400" dirty="0" smtClean="0">
+              <a:latin typeface="Bahnschrift Light Condensed" pitchFamily="34" charset="0"/>
+            </a:endParaRPr>
+          </a:p>
+          <a:p>
+            <a:r>
+              <a:rPr lang="ru-RU" sz="2400" dirty="0" smtClean="0">
+                <a:latin typeface="Bahnschrift Light Condensed" pitchFamily="34" charset="0"/>
+              </a:rPr>
+              <a:t>- протестировать </a:t>
+            </a:r>
+            <a:r>
+              <a:rPr lang="ru-RU" sz="2400" dirty="0" smtClean="0">
+                <a:latin typeface="Bahnschrift Light Condensed" pitchFamily="34" charset="0"/>
+              </a:rPr>
+              <a:t>нашу программу</a:t>
+            </a:r>
+          </a:p>
+          <a:p>
+            <a:r>
+              <a:rPr lang="ru-RU" sz="2400" dirty="0" smtClean="0">
+                <a:latin typeface="Bahnschrift Light Condensed" pitchFamily="34" charset="0"/>
+              </a:rPr>
+              <a:t>- Ознакомится </a:t>
+            </a:r>
+            <a:r>
+              <a:rPr lang="ru-RU" sz="2400" dirty="0" smtClean="0">
+                <a:latin typeface="Bahnschrift Light Condensed" pitchFamily="34" charset="0"/>
+              </a:rPr>
+              <a:t>с другими ОС</a:t>
+            </a:r>
+          </a:p>
+          <a:p>
+            <a:pPr marL="342900" indent="-342900">
+              <a:buAutoNum type="arabicPeriod" startAt="2"/>
+            </a:pPr>
+            <a:r>
+              <a:rPr lang="ru-RU" sz="2400" dirty="0" smtClean="0">
+                <a:latin typeface="Bahnschrift Light Condensed" pitchFamily="34" charset="0"/>
+              </a:rPr>
+              <a:t>А других кроме него нету?</a:t>
+            </a:r>
+            <a:endParaRPr lang="en-US" sz="2400" dirty="0" smtClean="0">
+              <a:latin typeface="Bahnschrift Light Condensed" pitchFamily="34" charset="0"/>
+            </a:endParaRPr>
+          </a:p>
+          <a:p>
+            <a:r>
+              <a:rPr lang="en-US" sz="2400" dirty="0" smtClean="0">
+                <a:latin typeface="Bahnschrift Light Condensed" pitchFamily="34" charset="0"/>
+              </a:rPr>
+              <a:t>VMware, parallel desktop, QEMU </a:t>
+            </a:r>
+            <a:endParaRPr lang="ru-RU" sz="2400" dirty="0" smtClean="0">
+              <a:latin typeface="Bahnschrift Light Condensed" pitchFamily="34" charset="0"/>
+            </a:endParaRPr>
+          </a:p>
+          <a:p>
+            <a:r>
+              <a:rPr lang="ru-RU" sz="2400" dirty="0" smtClean="0">
+                <a:latin typeface="Bahnschrift Light Condensed" pitchFamily="34" charset="0"/>
+              </a:rPr>
+              <a:t>Запускать в </a:t>
+            </a:r>
+            <a:r>
+              <a:rPr lang="en-US" sz="2400" dirty="0" smtClean="0">
+                <a:latin typeface="Bahnschrift Light Condensed" pitchFamily="34" charset="0"/>
+              </a:rPr>
+              <a:t>BIOS </a:t>
+            </a:r>
+            <a:r>
+              <a:rPr lang="ru-RU" sz="2400" dirty="0" err="1" smtClean="0">
+                <a:latin typeface="Bahnschrift Light Condensed" pitchFamily="34" charset="0"/>
+              </a:rPr>
+              <a:t>замороченно</a:t>
+            </a:r>
+            <a:r>
+              <a:rPr lang="ru-RU" sz="2400" dirty="0">
+                <a:latin typeface="Bahnschrift Light Condensed" pitchFamily="34" charset="0"/>
+              </a:rPr>
+              <a:t> </a:t>
+            </a:r>
+            <a:r>
+              <a:rPr lang="ru-RU" sz="2400" dirty="0" smtClean="0">
+                <a:latin typeface="Bahnschrift Light Condensed" pitchFamily="34" charset="0"/>
+              </a:rPr>
+              <a:t>иногда опасно</a:t>
+            </a:r>
+            <a:endParaRPr lang="ru-RU" sz="2400" dirty="0" smtClean="0">
+              <a:latin typeface="Bahnschrift Light Condensed" pitchFamily="34" charset="0"/>
+            </a:endParaRPr>
+          </a:p>
+        </p:txBody>
+      </p:sp>
     </p:spTree>
     <p:extLst>
       <p:ext uri="{BB962C8B-B14F-4D97-AF65-F5344CB8AC3E}">
-        <p14:creationId xmlns:p14="http://schemas.microsoft.com/office/powerpoint/2010/main" val="2872101956"/>
+        <p14:creationId xmlns:p14="http://schemas.microsoft.com/office/powerpoint/2010/main" val="3270496986"/>
       </p:ext>
     </p:extLst>
   </p:cSld>
   <p:clrMapOvr>
     <a:masterClrMapping/>
   </p:clrMapOvr>
+  <p:transition spd="slow">
+    <p:push dir="u"/>
+  </p:transition>
+  <p:timing>
+    <p:tnLst>
+      <p:par>
+        <p:cTn id="1" dur="indefinite" restart="never" nodeType="tmRoot"/>
+      </p:par>
+    </p:tnLst>
+  </p:timing>
 </p:sld>
 </file>
 

--- a/Virtual Box.pptx
+++ b/Virtual Box.pptx
@@ -203,7 +203,7 @@
           <a:p>
             <a:fld id="{74E68F83-1E96-451B-B7A7-E78E4F639BC1}" type="datetimeFigureOut">
               <a:rPr lang="ru-RU" smtClean="0"/>
-              <a:t>28.11.2021</a:t>
+              <a:t>30.11.2021</a:t>
             </a:fld>
             <a:endParaRPr lang="ru-RU"/>
           </a:p>
@@ -736,7 +736,7 @@
           <a:p>
             <a:fld id="{25181915-9CD6-433D-9BE8-FBEFCE886C4A}" type="datetimeFigureOut">
               <a:rPr lang="ru-RU" smtClean="0"/>
-              <a:t>28.11.2021</a:t>
+              <a:t>30.11.2021</a:t>
             </a:fld>
             <a:endParaRPr lang="ru-RU"/>
           </a:p>
@@ -906,7 +906,7 @@
           <a:p>
             <a:fld id="{25181915-9CD6-433D-9BE8-FBEFCE886C4A}" type="datetimeFigureOut">
               <a:rPr lang="ru-RU" smtClean="0"/>
-              <a:t>28.11.2021</a:t>
+              <a:t>30.11.2021</a:t>
             </a:fld>
             <a:endParaRPr lang="ru-RU"/>
           </a:p>
@@ -1086,7 +1086,7 @@
           <a:p>
             <a:fld id="{25181915-9CD6-433D-9BE8-FBEFCE886C4A}" type="datetimeFigureOut">
               <a:rPr lang="ru-RU" smtClean="0"/>
-              <a:t>28.11.2021</a:t>
+              <a:t>30.11.2021</a:t>
             </a:fld>
             <a:endParaRPr lang="ru-RU"/>
           </a:p>
@@ -1256,7 +1256,7 @@
           <a:p>
             <a:fld id="{25181915-9CD6-433D-9BE8-FBEFCE886C4A}" type="datetimeFigureOut">
               <a:rPr lang="ru-RU" smtClean="0"/>
-              <a:t>28.11.2021</a:t>
+              <a:t>30.11.2021</a:t>
             </a:fld>
             <a:endParaRPr lang="ru-RU"/>
           </a:p>
@@ -1502,7 +1502,7 @@
           <a:p>
             <a:fld id="{25181915-9CD6-433D-9BE8-FBEFCE886C4A}" type="datetimeFigureOut">
               <a:rPr lang="ru-RU" smtClean="0"/>
-              <a:t>28.11.2021</a:t>
+              <a:t>30.11.2021</a:t>
             </a:fld>
             <a:endParaRPr lang="ru-RU"/>
           </a:p>
@@ -1790,7 +1790,7 @@
           <a:p>
             <a:fld id="{25181915-9CD6-433D-9BE8-FBEFCE886C4A}" type="datetimeFigureOut">
               <a:rPr lang="ru-RU" smtClean="0"/>
-              <a:t>28.11.2021</a:t>
+              <a:t>30.11.2021</a:t>
             </a:fld>
             <a:endParaRPr lang="ru-RU"/>
           </a:p>
@@ -2212,7 +2212,7 @@
           <a:p>
             <a:fld id="{25181915-9CD6-433D-9BE8-FBEFCE886C4A}" type="datetimeFigureOut">
               <a:rPr lang="ru-RU" smtClean="0"/>
-              <a:t>28.11.2021</a:t>
+              <a:t>30.11.2021</a:t>
             </a:fld>
             <a:endParaRPr lang="ru-RU"/>
           </a:p>
@@ -2330,7 +2330,7 @@
           <a:p>
             <a:fld id="{25181915-9CD6-433D-9BE8-FBEFCE886C4A}" type="datetimeFigureOut">
               <a:rPr lang="ru-RU" smtClean="0"/>
-              <a:t>28.11.2021</a:t>
+              <a:t>30.11.2021</a:t>
             </a:fld>
             <a:endParaRPr lang="ru-RU"/>
           </a:p>
@@ -2425,7 +2425,7 @@
           <a:p>
             <a:fld id="{25181915-9CD6-433D-9BE8-FBEFCE886C4A}" type="datetimeFigureOut">
               <a:rPr lang="ru-RU" smtClean="0"/>
-              <a:t>28.11.2021</a:t>
+              <a:t>30.11.2021</a:t>
             </a:fld>
             <a:endParaRPr lang="ru-RU"/>
           </a:p>
@@ -2702,7 +2702,7 @@
           <a:p>
             <a:fld id="{25181915-9CD6-433D-9BE8-FBEFCE886C4A}" type="datetimeFigureOut">
               <a:rPr lang="ru-RU" smtClean="0"/>
-              <a:t>28.11.2021</a:t>
+              <a:t>30.11.2021</a:t>
             </a:fld>
             <a:endParaRPr lang="ru-RU"/>
           </a:p>
@@ -2955,7 +2955,7 @@
           <a:p>
             <a:fld id="{25181915-9CD6-433D-9BE8-FBEFCE886C4A}" type="datetimeFigureOut">
               <a:rPr lang="ru-RU" smtClean="0"/>
-              <a:t>28.11.2021</a:t>
+              <a:t>30.11.2021</a:t>
             </a:fld>
             <a:endParaRPr lang="ru-RU"/>
           </a:p>
@@ -3168,7 +3168,7 @@
           <a:p>
             <a:fld id="{25181915-9CD6-433D-9BE8-FBEFCE886C4A}" type="datetimeFigureOut">
               <a:rPr lang="ru-RU" smtClean="0"/>
-              <a:t>28.11.2021</a:t>
+              <a:t>30.11.2021</a:t>
             </a:fld>
             <a:endParaRPr lang="ru-RU"/>
           </a:p>
@@ -3788,7 +3788,15 @@
                   <a:schemeClr val="tx1"/>
                 </a:solidFill>
               </a:rPr>
-              <a:t>Windows:  10-7, Linux: RHEL, </a:t>
+              <a:t>Windows:  10-7, Linux: </a:t>
+            </a:r>
+            <a:r>
+              <a:rPr lang="en-US" sz="2000" dirty="0" smtClean="0">
+                <a:solidFill>
+                  <a:schemeClr val="tx1"/>
+                </a:solidFill>
+              </a:rPr>
+              <a:t>RHEL, </a:t>
             </a:r>
             <a:r>
               <a:rPr lang="en-US" sz="2000" dirty="0" err="1" smtClean="0">
@@ -4975,19 +4983,31 @@
               <a:rPr lang="ru-RU" dirty="0" smtClean="0">
                 <a:latin typeface="Bahnschrift Light Condensed" pitchFamily="34" charset="0"/>
               </a:rPr>
-              <a:t>2. Входит </a:t>
-            </a:r>
-            <a:r>
-              <a:rPr lang="ru-RU" dirty="0" err="1" smtClean="0">
-                <a:latin typeface="Bahnschrift Light Condensed" pitchFamily="34" charset="0"/>
-              </a:rPr>
-              <a:t>биос</a:t>
+              <a:t>2. </a:t>
             </a:r>
             <a:r>
               <a:rPr lang="ru-RU" dirty="0" smtClean="0">
                 <a:latin typeface="Bahnschrift Light Condensed" pitchFamily="34" charset="0"/>
               </a:rPr>
-              <a:t> и иметь с собой </a:t>
+              <a:t>Входить в </a:t>
+            </a:r>
+            <a:r>
+              <a:rPr lang="en-US" dirty="0" smtClean="0">
+                <a:latin typeface="Bahnschrift Light Condensed" pitchFamily="34" charset="0"/>
+              </a:rPr>
+              <a:t>BIOS</a:t>
+            </a:r>
+            <a:r>
+              <a:rPr lang="ru-RU" dirty="0" smtClean="0">
+                <a:latin typeface="Bahnschrift Light Condensed" pitchFamily="34" charset="0"/>
+              </a:rPr>
+              <a:t> </a:t>
+            </a:r>
+            <a:r>
+              <a:rPr lang="ru-RU" dirty="0" smtClean="0">
+                <a:latin typeface="Bahnschrift Light Condensed" pitchFamily="34" charset="0"/>
+              </a:rPr>
+              <a:t>и иметь с собой </a:t>
             </a:r>
             <a:r>
               <a:rPr lang="ru-RU" dirty="0" err="1" smtClean="0">
@@ -5407,13 +5427,7 @@
               <a:rPr lang="ru-RU" sz="2400" dirty="0" smtClean="0">
                 <a:latin typeface="Bahnschrift Light Condensed" pitchFamily="34" charset="0"/>
               </a:rPr>
-              <a:t>А зачем нам множество ОС</a:t>
-            </a:r>
-            <a:r>
-              <a:rPr lang="ru-RU" sz="2400" dirty="0" smtClean="0">
-                <a:latin typeface="Bahnschrift Light Condensed" pitchFamily="34" charset="0"/>
-              </a:rPr>
-              <a:t>?</a:t>
+              <a:t>А зачем нам множество ОС?</a:t>
             </a:r>
           </a:p>
           <a:p>
@@ -5423,36 +5437,21 @@
               </a:rPr>
               <a:t>- Для работы</a:t>
             </a:r>
-            <a:endParaRPr lang="ru-RU" sz="2400" dirty="0" smtClean="0">
-              <a:latin typeface="Bahnschrift Light Condensed" pitchFamily="34" charset="0"/>
-            </a:endParaRPr>
           </a:p>
           <a:p>
             <a:r>
               <a:rPr lang="ru-RU" sz="2400" dirty="0" smtClean="0">
                 <a:latin typeface="Bahnschrift Light Condensed" pitchFamily="34" charset="0"/>
               </a:rPr>
-              <a:t>- протестировать </a:t>
-            </a:r>
+              <a:t>- протестировать нашу программу</a:t>
+            </a:r>
+          </a:p>
+          <a:p>
             <a:r>
               <a:rPr lang="ru-RU" sz="2400" dirty="0" smtClean="0">
                 <a:latin typeface="Bahnschrift Light Condensed" pitchFamily="34" charset="0"/>
               </a:rPr>
-              <a:t>нашу программу</a:t>
-            </a:r>
-          </a:p>
-          <a:p>
-            <a:r>
-              <a:rPr lang="ru-RU" sz="2400" dirty="0" smtClean="0">
-                <a:latin typeface="Bahnschrift Light Condensed" pitchFamily="34" charset="0"/>
-              </a:rPr>
-              <a:t>- Ознакомится </a:t>
-            </a:r>
-            <a:r>
-              <a:rPr lang="ru-RU" sz="2400" dirty="0" smtClean="0">
-                <a:latin typeface="Bahnschrift Light Condensed" pitchFamily="34" charset="0"/>
-              </a:rPr>
-              <a:t>с другими ОС</a:t>
+              <a:t>- Ознакомится с другими ОС</a:t>
             </a:r>
           </a:p>
           <a:p>
@@ -5511,9 +5510,6 @@
               </a:rPr>
               <a:t>иногда опасно</a:t>
             </a:r>
-            <a:endParaRPr lang="ru-RU" sz="2400" dirty="0" smtClean="0">
-              <a:latin typeface="Bahnschrift Light Condensed" pitchFamily="34" charset="0"/>
-            </a:endParaRPr>
           </a:p>
         </p:txBody>
       </p:sp>

--- a/Virtual Box.pptx
+++ b/Virtual Box.pptx
@@ -5,7 +5,7 @@
     <p:sldMasterId id="2147483648" r:id="rId1"/>
   </p:sldMasterIdLst>
   <p:notesMasterIdLst>
-    <p:notesMasterId r:id="rId14"/>
+    <p:notesMasterId r:id="rId15"/>
   </p:notesMasterIdLst>
   <p:sldIdLst>
     <p:sldId id="256" r:id="rId2"/>
@@ -20,6 +20,7 @@
     <p:sldId id="260" r:id="rId11"/>
     <p:sldId id="262" r:id="rId12"/>
     <p:sldId id="270" r:id="rId13"/>
+    <p:sldId id="273" r:id="rId14"/>
   </p:sldIdLst>
   <p:sldSz cx="9144000" cy="6858000" type="screen4x3"/>
   <p:notesSz cx="6858000" cy="9144000"/>
@@ -3788,15 +3789,7 @@
                   <a:schemeClr val="tx1"/>
                 </a:solidFill>
               </a:rPr>
-              <a:t>Windows:  10-7, Linux: </a:t>
-            </a:r>
-            <a:r>
-              <a:rPr lang="en-US" sz="2000" dirty="0" smtClean="0">
-                <a:solidFill>
-                  <a:schemeClr val="tx1"/>
-                </a:solidFill>
-              </a:rPr>
-              <a:t>RHEL, </a:t>
+              <a:t>Windows:  10-7, Linux: RHEL, </a:t>
             </a:r>
             <a:r>
               <a:rPr lang="en-US" sz="2000" dirty="0" err="1" smtClean="0">
@@ -4164,6 +4157,77 @@
       </p:par>
     </p:tnLst>
   </p:timing>
+</p:sld>
+</file>
+
+<file path=ppt/slides/slide13.xml><?xml version="1.0" encoding="utf-8"?>
+<p:sld xmlns:a="http://schemas.openxmlformats.org/drawingml/2006/main" xmlns:r="http://schemas.openxmlformats.org/officeDocument/2006/relationships" xmlns:p="http://schemas.openxmlformats.org/presentationml/2006/main">
+  <p:cSld>
+    <p:spTree>
+      <p:nvGrpSpPr>
+        <p:cNvPr id="1" name=""/>
+        <p:cNvGrpSpPr/>
+        <p:nvPr/>
+      </p:nvGrpSpPr>
+      <p:grpSpPr>
+        <a:xfrm>
+          <a:off x="0" y="0"/>
+          <a:ext cx="0" cy="0"/>
+          <a:chOff x="0" y="0"/>
+          <a:chExt cx="0" cy="0"/>
+        </a:xfrm>
+      </p:grpSpPr>
+      <p:pic>
+        <p:nvPicPr>
+          <p:cNvPr id="1026" name="Picture 2" descr="C:\Users\TM\Pictures\sharaga\9pvqyam6ckaxqvihopwdoynhf4y.jpeg"/>
+          <p:cNvPicPr>
+            <a:picLocks noChangeAspect="1" noChangeArrowheads="1"/>
+          </p:cNvPicPr>
+          <p:nvPr/>
+        </p:nvPicPr>
+        <p:blipFill>
+          <a:blip r:embed="rId2">
+            <a:extLst>
+              <a:ext uri="{28A0092B-C50C-407E-A947-70E740481C1C}">
+                <a14:useLocalDpi xmlns:a14="http://schemas.microsoft.com/office/drawing/2010/main" val="0"/>
+              </a:ext>
+            </a:extLst>
+          </a:blip>
+          <a:srcRect/>
+          <a:stretch>
+            <a:fillRect/>
+          </a:stretch>
+        </p:blipFill>
+        <p:spPr bwMode="auto">
+          <a:xfrm>
+            <a:off x="251520" y="692697"/>
+            <a:ext cx="8797952" cy="5256584"/>
+          </a:xfrm>
+          <a:prstGeom prst="rect">
+            <a:avLst/>
+          </a:prstGeom>
+          <a:noFill/>
+          <a:extLst>
+            <a:ext uri="{909E8E84-426E-40DD-AFC4-6F175D3DCCD1}">
+              <a14:hiddenFill xmlns:a14="http://schemas.microsoft.com/office/drawing/2010/main">
+                <a:solidFill>
+                  <a:srgbClr val="FFFFFF"/>
+                </a:solidFill>
+              </a14:hiddenFill>
+            </a:ext>
+          </a:extLst>
+        </p:spPr>
+      </p:pic>
+    </p:spTree>
+    <p:extLst>
+      <p:ext uri="{BB962C8B-B14F-4D97-AF65-F5344CB8AC3E}">
+        <p14:creationId xmlns:p14="http://schemas.microsoft.com/office/powerpoint/2010/main" val="1274576238"/>
+      </p:ext>
+    </p:extLst>
+  </p:cSld>
+  <p:clrMapOvr>
+    <a:masterClrMapping/>
+  </p:clrMapOvr>
 </p:sld>
 </file>
 
@@ -4983,13 +5047,7 @@
               <a:rPr lang="ru-RU" dirty="0" smtClean="0">
                 <a:latin typeface="Bahnschrift Light Condensed" pitchFamily="34" charset="0"/>
               </a:rPr>
-              <a:t>2. </a:t>
-            </a:r>
-            <a:r>
-              <a:rPr lang="ru-RU" dirty="0" smtClean="0">
-                <a:latin typeface="Bahnschrift Light Condensed" pitchFamily="34" charset="0"/>
-              </a:rPr>
-              <a:t>Входить в </a:t>
+              <a:t>2. Входить в </a:t>
             </a:r>
             <a:r>
               <a:rPr lang="en-US" dirty="0" smtClean="0">
@@ -5001,13 +5059,7 @@
               <a:rPr lang="ru-RU" dirty="0" smtClean="0">
                 <a:latin typeface="Bahnschrift Light Condensed" pitchFamily="34" charset="0"/>
               </a:rPr>
-              <a:t> </a:t>
-            </a:r>
-            <a:r>
-              <a:rPr lang="ru-RU" dirty="0" smtClean="0">
-                <a:latin typeface="Bahnschrift Light Condensed" pitchFamily="34" charset="0"/>
-              </a:rPr>
-              <a:t>и иметь с собой </a:t>
+              <a:t> и иметь с собой </a:t>
             </a:r>
             <a:r>
               <a:rPr lang="ru-RU" dirty="0" err="1" smtClean="0">
